--- a/Présentation.pptx
+++ b/Présentation.pptx
@@ -252,7 +252,7 @@
           <a:p>
             <a:fld id="{F1C04AFE-8EB8-429F-87B7-C86EA09F93BA}" type="datetimeFigureOut">
               <a:rPr lang="fr-CA" smtClean="0"/>
-              <a:t>2017-10-12</a:t>
+              <a:t>2017-10-18</a:t>
             </a:fld>
             <a:endParaRPr lang="fr-CA"/>
           </a:p>
@@ -417,7 +417,7 @@
           <a:p>
             <a:fld id="{3F3687BD-041C-4C7D-A31D-4D44F82D0852}" type="datetimeFigureOut">
               <a:rPr lang="fr-CA" smtClean="0"/>
-              <a:t>2017-10-12</a:t>
+              <a:t>2017-10-18</a:t>
             </a:fld>
             <a:endParaRPr lang="fr-CA"/>
           </a:p>
@@ -3234,7 +3234,7 @@
                 </a:solidFill>
               </a:rPr>
               <a:pPr/>
-              <a:t>2017-10-12</a:t>
+              <a:t>2017-10-18</a:t>
             </a:fld>
             <a:endParaRPr lang="fr-CA">
               <a:solidFill>
@@ -3634,7 +3634,7 @@
           <a:p>
             <a:fld id="{1D89F286-A9D5-4139-92F2-13D69D137390}" type="datetimeFigureOut">
               <a:rPr lang="en-CA" smtClean="0"/>
-              <a:t>2017-10-12</a:t>
+              <a:t>2017-10-18</a:t>
             </a:fld>
             <a:endParaRPr lang="en-CA"/>
           </a:p>
@@ -4649,7 +4649,7 @@
                 </a:solidFill>
               </a:rPr>
               <a:pPr/>
-              <a:t>2017-10-12</a:t>
+              <a:t>2017-10-18</a:t>
             </a:fld>
             <a:endParaRPr lang="fr-CA">
               <a:solidFill>
@@ -5082,7 +5082,7 @@
                 </a:solidFill>
               </a:rPr>
               <a:pPr/>
-              <a:t>2017-10-12</a:t>
+              <a:t>2017-10-18</a:t>
             </a:fld>
             <a:endParaRPr lang="fr-CA">
               <a:solidFill>
@@ -5360,7 +5360,7 @@
                 </a:solidFill>
               </a:rPr>
               <a:pPr/>
-              <a:t>2017-10-12</a:t>
+              <a:t>2017-10-18</a:t>
             </a:fld>
             <a:endParaRPr lang="fr-CA">
               <a:solidFill>
@@ -5767,7 +5767,7 @@
                 </a:solidFill>
               </a:rPr>
               <a:pPr/>
-              <a:t>2017-10-12</a:t>
+              <a:t>2017-10-18</a:t>
             </a:fld>
             <a:endParaRPr lang="fr-CA">
               <a:solidFill>
@@ -6082,7 +6082,7 @@
                 </a:solidFill>
               </a:rPr>
               <a:pPr/>
-              <a:t>2017-10-12</a:t>
+              <a:t>2017-10-18</a:t>
             </a:fld>
             <a:endParaRPr lang="fr-CA">
               <a:solidFill>
@@ -6375,7 +6375,7 @@
                 </a:solidFill>
               </a:rPr>
               <a:pPr/>
-              <a:t>2017-10-12</a:t>
+              <a:t>2017-10-18</a:t>
             </a:fld>
             <a:endParaRPr lang="fr-CA">
               <a:solidFill>
@@ -6929,7 +6929,7 @@
                 </a:solidFill>
               </a:rPr>
               <a:pPr/>
-              <a:t>2017-10-12</a:t>
+              <a:t>2017-10-18</a:t>
             </a:fld>
             <a:endParaRPr lang="fr-CA">
               <a:solidFill>
@@ -7509,7 +7509,7 @@
                 </a:solidFill>
               </a:rPr>
               <a:pPr/>
-              <a:t>2017-10-12</a:t>
+              <a:t>2017-10-18</a:t>
             </a:fld>
             <a:endParaRPr lang="fr-CA">
               <a:solidFill>
@@ -9372,6 +9372,42 @@
           </a:p>
         </p:txBody>
       </p:sp>
+      <p:pic>
+        <p:nvPicPr>
+          <p:cNvPr id="3" name="Picture 2">
+            <a:extLst>
+              <a:ext uri="{FF2B5EF4-FFF2-40B4-BE49-F238E27FC236}">
+                <a16:creationId xmlns:a16="http://schemas.microsoft.com/office/drawing/2014/main" id="{34E3B4B7-8AD0-4BED-B7D7-CC499F3B0336}"/>
+              </a:ext>
+            </a:extLst>
+          </p:cNvPr>
+          <p:cNvPicPr>
+            <a:picLocks noChangeAspect="1"/>
+          </p:cNvPicPr>
+          <p:nvPr/>
+        </p:nvPicPr>
+        <p:blipFill>
+          <a:blip r:embed="rId3" cstate="print">
+            <a:extLst>
+              <a:ext uri="{28A0092B-C50C-407E-A947-70E740481C1C}">
+                <a14:useLocalDpi xmlns:a14="http://schemas.microsoft.com/office/drawing/2010/main" val="0"/>
+              </a:ext>
+            </a:extLst>
+          </a:blip>
+          <a:stretch>
+            <a:fillRect/>
+          </a:stretch>
+        </p:blipFill>
+        <p:spPr>
+          <a:xfrm>
+            <a:off x="9709355" y="4190488"/>
+            <a:ext cx="1644445" cy="1644445"/>
+          </a:xfrm>
+          <a:prstGeom prst="rect">
+            <a:avLst/>
+          </a:prstGeom>
+        </p:spPr>
+      </p:pic>
     </p:spTree>
     <p:extLst>
       <p:ext uri="{BB962C8B-B14F-4D97-AF65-F5344CB8AC3E}">
@@ -18626,8 +18662,16 @@
             <a:pPr lvl="2"/>
             <a:r>
               <a:rPr lang="fr-CA" dirty="0" err="1"/>
-              <a:t>IPython</a:t>
-            </a:r>
+              <a:t>Jupyter</a:t>
+            </a:r>
+            <a:endParaRPr lang="fr-CA" dirty="0"/>
+          </a:p>
+          <a:p>
+            <a:pPr lvl="2"/>
+            <a:endParaRPr lang="fr-CA" dirty="0"/>
+          </a:p>
+          <a:p>
+            <a:pPr lvl="2"/>
             <a:endParaRPr lang="fr-CA" dirty="0"/>
           </a:p>
         </p:txBody>

--- a/Présentation.pptx
+++ b/Présentation.pptx
@@ -6,10 +6,10 @@
     <p:sldMasterId id="2147483698" r:id="rId2"/>
   </p:sldMasterIdLst>
   <p:notesMasterIdLst>
-    <p:notesMasterId r:id="rId30"/>
+    <p:notesMasterId r:id="rId32"/>
   </p:notesMasterIdLst>
   <p:handoutMasterIdLst>
-    <p:handoutMasterId r:id="rId31"/>
+    <p:handoutMasterId r:id="rId33"/>
   </p:handoutMasterIdLst>
   <p:sldIdLst>
     <p:sldId id="446" r:id="rId3"/>
@@ -21,24 +21,26 @@
     <p:sldId id="484" r:id="rId9"/>
     <p:sldId id="505" r:id="rId10"/>
     <p:sldId id="485" r:id="rId11"/>
-    <p:sldId id="486" r:id="rId12"/>
-    <p:sldId id="506" r:id="rId13"/>
-    <p:sldId id="487" r:id="rId14"/>
-    <p:sldId id="507" r:id="rId15"/>
-    <p:sldId id="488" r:id="rId16"/>
-    <p:sldId id="490" r:id="rId17"/>
-    <p:sldId id="489" r:id="rId18"/>
-    <p:sldId id="508" r:id="rId19"/>
-    <p:sldId id="481" r:id="rId20"/>
-    <p:sldId id="500" r:id="rId21"/>
-    <p:sldId id="492" r:id="rId22"/>
-    <p:sldId id="493" r:id="rId23"/>
-    <p:sldId id="494" r:id="rId24"/>
-    <p:sldId id="498" r:id="rId25"/>
-    <p:sldId id="501" r:id="rId26"/>
-    <p:sldId id="502" r:id="rId27"/>
-    <p:sldId id="503" r:id="rId28"/>
-    <p:sldId id="504" r:id="rId29"/>
+    <p:sldId id="509" r:id="rId12"/>
+    <p:sldId id="486" r:id="rId13"/>
+    <p:sldId id="506" r:id="rId14"/>
+    <p:sldId id="487" r:id="rId15"/>
+    <p:sldId id="507" r:id="rId16"/>
+    <p:sldId id="488" r:id="rId17"/>
+    <p:sldId id="490" r:id="rId18"/>
+    <p:sldId id="489" r:id="rId19"/>
+    <p:sldId id="508" r:id="rId20"/>
+    <p:sldId id="481" r:id="rId21"/>
+    <p:sldId id="500" r:id="rId22"/>
+    <p:sldId id="492" r:id="rId23"/>
+    <p:sldId id="493" r:id="rId24"/>
+    <p:sldId id="494" r:id="rId25"/>
+    <p:sldId id="498" r:id="rId26"/>
+    <p:sldId id="510" r:id="rId27"/>
+    <p:sldId id="501" r:id="rId28"/>
+    <p:sldId id="502" r:id="rId29"/>
+    <p:sldId id="503" r:id="rId30"/>
+    <p:sldId id="504" r:id="rId31"/>
   </p:sldIdLst>
   <p:sldSz cx="12192000" cy="6858000"/>
   <p:notesSz cx="7016750" cy="9302750"/>
@@ -813,7 +815,7 @@
           <a:bodyPr/>
           <a:lstStyle/>
           <a:p>
-            <a:pPr rtl="0"/>
+            <a:pPr rtl="0" fontAlgn="base"/>
             <a:r>
               <a:rPr lang="fr-CA" sz="1200" b="0" i="0" u="none" strike="noStrike" kern="1200" dirty="0">
                 <a:solidFill>
@@ -824,14 +826,11 @@
                 <a:ea typeface="+mn-ea"/>
                 <a:cs typeface="+mn-cs"/>
               </a:rPr>
-              <a:t>Explication du rôle des trois API de Spark, mais préciser que l’on ne va utiliser que les deux premières.</a:t>
-            </a:r>
-            <a:endParaRPr lang="fr-CA" b="0" dirty="0">
-              <a:effectLst/>
-            </a:endParaRPr>
-          </a:p>
-          <a:p>
-            <a:pPr rtl="0"/>
+              <a:t>Explication de l’architecture de Spark</a:t>
+            </a:r>
+          </a:p>
+          <a:p>
+            <a:pPr rtl="0" fontAlgn="base"/>
             <a:r>
               <a:rPr lang="fr-CA" sz="1200" b="0" i="0" u="none" strike="noStrike" kern="1200" dirty="0">
                 <a:solidFill>
@@ -842,14 +841,11 @@
                 <a:ea typeface="+mn-ea"/>
                 <a:cs typeface="+mn-cs"/>
               </a:rPr>
-              <a:t>Qu’est-ce qu’un RDD ?</a:t>
-            </a:r>
-            <a:endParaRPr lang="fr-CA" b="0" dirty="0">
-              <a:effectLst/>
-            </a:endParaRPr>
-          </a:p>
-          <a:p>
-            <a:pPr rtl="0"/>
+              <a:t>Description très rapide de chacun des modules</a:t>
+            </a:r>
+          </a:p>
+          <a:p>
+            <a:pPr rtl="0" fontAlgn="base"/>
             <a:r>
               <a:rPr lang="fr-CA" sz="1200" b="0" i="0" u="none" strike="noStrike" kern="1200" dirty="0">
                 <a:solidFill>
@@ -860,17 +856,8 @@
                 <a:ea typeface="+mn-ea"/>
                 <a:cs typeface="+mn-cs"/>
               </a:rPr>
-              <a:t>Comment la résilience fonctionne-t-elle ?</a:t>
-            </a:r>
-            <a:endParaRPr lang="fr-CA" b="0" dirty="0">
-              <a:effectLst/>
-            </a:endParaRPr>
-          </a:p>
-          <a:p>
-            <a:br>
-              <a:rPr lang="fr-CA" dirty="0"/>
-            </a:br>
-            <a:endParaRPr lang="fr-CA" dirty="0"/>
+              <a:t>Présentations des outils pour écrire du Spark : les notebooks</a:t>
+            </a:r>
           </a:p>
         </p:txBody>
       </p:sp>
@@ -900,7 +887,7 @@
     </p:spTree>
     <p:extLst>
       <p:ext uri="{BB962C8B-B14F-4D97-AF65-F5344CB8AC3E}">
-        <p14:creationId xmlns:p14="http://schemas.microsoft.com/office/powerpoint/2010/main" val="2489673775"/>
+        <p14:creationId xmlns:p14="http://schemas.microsoft.com/office/powerpoint/2010/main" val="2142323617"/>
       </p:ext>
     </p:extLst>
   </p:cSld>
@@ -1008,6 +995,10 @@
             </a:endParaRPr>
           </a:p>
           <a:p>
+            <a:r>
+              <a:rPr lang="fr-CA" dirty="0"/>
+              <a:t/>
+            </a:r>
             <a:br>
               <a:rPr lang="fr-CA" dirty="0"/>
             </a:br>
@@ -1041,7 +1032,7 @@
     </p:spTree>
     <p:extLst>
       <p:ext uri="{BB962C8B-B14F-4D97-AF65-F5344CB8AC3E}">
-        <p14:creationId xmlns:p14="http://schemas.microsoft.com/office/powerpoint/2010/main" val="2089487965"/>
+        <p14:creationId xmlns:p14="http://schemas.microsoft.com/office/powerpoint/2010/main" val="2489673775"/>
       </p:ext>
     </p:extLst>
   </p:cSld>
@@ -1106,7 +1097,7 @@
                 <a:ea typeface="+mn-ea"/>
                 <a:cs typeface="+mn-cs"/>
               </a:rPr>
-              <a:t>Différence entre les transformations et les actions</a:t>
+              <a:t>Explication du rôle des trois API de Spark, mais préciser que l’on ne va utiliser que les deux premières.</a:t>
             </a:r>
             <a:endParaRPr lang="fr-CA" b="0" dirty="0">
               <a:effectLst/>
@@ -1124,7 +1115,7 @@
                 <a:ea typeface="+mn-ea"/>
                 <a:cs typeface="+mn-cs"/>
               </a:rPr>
-              <a:t>Explication du DAG et comment il est exécuté</a:t>
+              <a:t>Qu’est-ce qu’un RDD ?</a:t>
             </a:r>
             <a:endParaRPr lang="fr-CA" b="0" dirty="0">
               <a:effectLst/>
@@ -1142,37 +1133,17 @@
                 <a:ea typeface="+mn-ea"/>
                 <a:cs typeface="+mn-cs"/>
               </a:rPr>
-              <a:t>Conséquence sur la </a:t>
-            </a:r>
-            <a:r>
-              <a:rPr lang="fr-CA" sz="1200" b="0" i="0" u="none" strike="noStrike" kern="1200" dirty="0" err="1">
-                <a:solidFill>
-                  <a:schemeClr val="tx1"/>
-                </a:solidFill>
-                <a:effectLst/>
-                <a:latin typeface="+mn-lt"/>
-                <a:ea typeface="+mn-ea"/>
-                <a:cs typeface="+mn-cs"/>
-              </a:rPr>
-              <a:t>ré-utilisation</a:t>
-            </a:r>
-            <a:r>
-              <a:rPr lang="fr-CA" sz="1200" b="0" i="0" u="none" strike="noStrike" kern="1200" dirty="0">
-                <a:solidFill>
-                  <a:schemeClr val="tx1"/>
-                </a:solidFill>
-                <a:effectLst/>
-                <a:latin typeface="+mn-lt"/>
-                <a:ea typeface="+mn-ea"/>
-                <a:cs typeface="+mn-cs"/>
-              </a:rPr>
-              <a:t> d’un RDD</a:t>
+              <a:t>Comment la résilience fonctionne-t-elle ?</a:t>
             </a:r>
             <a:endParaRPr lang="fr-CA" b="0" dirty="0">
               <a:effectLst/>
             </a:endParaRPr>
           </a:p>
           <a:p>
+            <a:r>
+              <a:rPr lang="fr-CA" dirty="0"/>
+              <a:t/>
+            </a:r>
             <a:br>
               <a:rPr lang="fr-CA" dirty="0"/>
             </a:br>
@@ -1206,7 +1177,7 @@
     </p:spTree>
     <p:extLst>
       <p:ext uri="{BB962C8B-B14F-4D97-AF65-F5344CB8AC3E}">
-        <p14:creationId xmlns:p14="http://schemas.microsoft.com/office/powerpoint/2010/main" val="257440153"/>
+        <p14:creationId xmlns:p14="http://schemas.microsoft.com/office/powerpoint/2010/main" val="2089487965"/>
       </p:ext>
     </p:extLst>
   </p:cSld>
@@ -1338,6 +1309,10 @@
             </a:endParaRPr>
           </a:p>
           <a:p>
+            <a:r>
+              <a:rPr lang="fr-CA" dirty="0"/>
+              <a:t/>
+            </a:r>
             <a:br>
               <a:rPr lang="fr-CA" dirty="0"/>
             </a:br>
@@ -1371,7 +1346,7 @@
     </p:spTree>
     <p:extLst>
       <p:ext uri="{BB962C8B-B14F-4D97-AF65-F5344CB8AC3E}">
-        <p14:creationId xmlns:p14="http://schemas.microsoft.com/office/powerpoint/2010/main" val="1334543777"/>
+        <p14:creationId xmlns:p14="http://schemas.microsoft.com/office/powerpoint/2010/main" val="257440153"/>
       </p:ext>
     </p:extLst>
   </p:cSld>
@@ -1425,10 +1400,7 @@
           <a:bodyPr/>
           <a:lstStyle/>
           <a:p>
-            <a:pPr rtl="0" fontAlgn="base"/>
-            <a:br>
-              <a:rPr lang="fr-CA" dirty="0"/>
-            </a:br>
+            <a:pPr rtl="0"/>
             <a:r>
               <a:rPr lang="fr-CA" sz="1200" b="0" i="0" u="none" strike="noStrike" kern="1200" dirty="0">
                 <a:solidFill>
@@ -1439,11 +1411,14 @@
                 <a:ea typeface="+mn-ea"/>
                 <a:cs typeface="+mn-cs"/>
               </a:rPr>
-              <a:t>Présentation de Spark SQL</a:t>
-            </a:r>
-          </a:p>
-          <a:p>
-            <a:pPr rtl="0" fontAlgn="base"/>
+              <a:t>Différence entre les transformations et les actions</a:t>
+            </a:r>
+            <a:endParaRPr lang="fr-CA" b="0" dirty="0">
+              <a:effectLst/>
+            </a:endParaRPr>
+          </a:p>
+          <a:p>
+            <a:pPr rtl="0"/>
             <a:r>
               <a:rPr lang="fr-CA" sz="1200" b="0" i="0" u="none" strike="noStrike" kern="1200" dirty="0">
                 <a:solidFill>
@@ -1454,11 +1429,14 @@
                 <a:ea typeface="+mn-ea"/>
                 <a:cs typeface="+mn-cs"/>
               </a:rPr>
-              <a:t>Travail sur des données structurées</a:t>
-            </a:r>
-          </a:p>
-          <a:p>
-            <a:pPr rtl="0" fontAlgn="base"/>
+              <a:t>Explication du DAG et comment il est exécuté</a:t>
+            </a:r>
+            <a:endParaRPr lang="fr-CA" b="0" dirty="0">
+              <a:effectLst/>
+            </a:endParaRPr>
+          </a:p>
+          <a:p>
+            <a:pPr rtl="0"/>
             <a:r>
               <a:rPr lang="fr-CA" sz="1200" b="0" i="0" u="none" strike="noStrike" kern="1200" dirty="0">
                 <a:solidFill>
@@ -1469,13 +1447,10 @@
                 <a:ea typeface="+mn-ea"/>
                 <a:cs typeface="+mn-cs"/>
               </a:rPr>
-              <a:t>Interaction avec différents formats de données</a:t>
-            </a:r>
-          </a:p>
-          <a:p>
-            <a:pPr rtl="0" fontAlgn="base"/>
-            <a:r>
-              <a:rPr lang="fr-CA" sz="1200" b="0" i="0" u="none" strike="noStrike" kern="1200" dirty="0">
+              <a:t>Conséquence sur la </a:t>
+            </a:r>
+            <a:r>
+              <a:rPr lang="fr-CA" sz="1200" b="0" i="0" u="none" strike="noStrike" kern="1200" dirty="0" err="1">
                 <a:solidFill>
                   <a:schemeClr val="tx1"/>
                 </a:solidFill>
@@ -1484,10 +1459,32 @@
                 <a:ea typeface="+mn-ea"/>
                 <a:cs typeface="+mn-cs"/>
               </a:rPr>
-              <a:t>Différentes façon de requêter la donnée</a:t>
-            </a:r>
-          </a:p>
-          <a:p>
+              <a:t>ré-utilisation</a:t>
+            </a:r>
+            <a:r>
+              <a:rPr lang="fr-CA" sz="1200" b="0" i="0" u="none" strike="noStrike" kern="1200" dirty="0">
+                <a:solidFill>
+                  <a:schemeClr val="tx1"/>
+                </a:solidFill>
+                <a:effectLst/>
+                <a:latin typeface="+mn-lt"/>
+                <a:ea typeface="+mn-ea"/>
+                <a:cs typeface="+mn-cs"/>
+              </a:rPr>
+              <a:t> d’un RDD</a:t>
+            </a:r>
+            <a:endParaRPr lang="fr-CA" b="0" dirty="0">
+              <a:effectLst/>
+            </a:endParaRPr>
+          </a:p>
+          <a:p>
+            <a:r>
+              <a:rPr lang="fr-CA" dirty="0"/>
+              <a:t/>
+            </a:r>
+            <a:br>
+              <a:rPr lang="fr-CA" dirty="0"/>
+            </a:br>
             <a:endParaRPr lang="fr-CA" dirty="0"/>
           </a:p>
         </p:txBody>
@@ -1518,7 +1515,7 @@
     </p:spTree>
     <p:extLst>
       <p:ext uri="{BB962C8B-B14F-4D97-AF65-F5344CB8AC3E}">
-        <p14:creationId xmlns:p14="http://schemas.microsoft.com/office/powerpoint/2010/main" val="898074219"/>
+        <p14:creationId xmlns:p14="http://schemas.microsoft.com/office/powerpoint/2010/main" val="1334543777"/>
       </p:ext>
     </p:extLst>
   </p:cSld>
@@ -1572,7 +1569,11 @@
           <a:bodyPr/>
           <a:lstStyle/>
           <a:p>
-            <a:pPr rtl="0"/>
+            <a:pPr rtl="0" fontAlgn="base"/>
+            <a:r>
+              <a:rPr lang="fr-CA" dirty="0"/>
+              <a:t/>
+            </a:r>
             <a:br>
               <a:rPr lang="fr-CA" dirty="0"/>
             </a:br>
@@ -1586,10 +1587,13 @@
                 <a:ea typeface="+mn-ea"/>
                 <a:cs typeface="+mn-cs"/>
               </a:rPr>
-              <a:t>Explication de l’architecture Driver + </a:t>
-            </a:r>
-            <a:r>
-              <a:rPr lang="fr-CA" sz="1200" b="0" i="0" u="none" strike="noStrike" kern="1200" dirty="0" err="1">
+              <a:t>Présentation de Spark SQL</a:t>
+            </a:r>
+          </a:p>
+          <a:p>
+            <a:pPr rtl="0" fontAlgn="base"/>
+            <a:r>
+              <a:rPr lang="fr-CA" sz="1200" b="0" i="0" u="none" strike="noStrike" kern="1200" dirty="0">
                 <a:solidFill>
                   <a:schemeClr val="tx1"/>
                 </a:solidFill>
@@ -1598,13 +1602,11 @@
                 <a:ea typeface="+mn-ea"/>
                 <a:cs typeface="+mn-cs"/>
               </a:rPr>
-              <a:t>Executors</a:t>
-            </a:r>
-            <a:endParaRPr lang="fr-CA" b="0" dirty="0">
-              <a:effectLst/>
-            </a:endParaRPr>
-          </a:p>
-          <a:p>
+              <a:t>Travail sur des données structurées</a:t>
+            </a:r>
+          </a:p>
+          <a:p>
+            <a:pPr rtl="0" fontAlgn="base"/>
             <a:r>
               <a:rPr lang="fr-CA" sz="1200" b="0" i="0" u="none" strike="noStrike" kern="1200" dirty="0">
                 <a:solidFill>
@@ -1615,8 +1617,25 @@
                 <a:ea typeface="+mn-ea"/>
                 <a:cs typeface="+mn-cs"/>
               </a:rPr>
-              <a:t>Différents modes d’exécutions : local, client, cluster</a:t>
-            </a:r>
+              <a:t>Interaction avec différents formats de données</a:t>
+            </a:r>
+          </a:p>
+          <a:p>
+            <a:pPr rtl="0" fontAlgn="base"/>
+            <a:r>
+              <a:rPr lang="fr-CA" sz="1200" b="0" i="0" u="none" strike="noStrike" kern="1200" dirty="0">
+                <a:solidFill>
+                  <a:schemeClr val="tx1"/>
+                </a:solidFill>
+                <a:effectLst/>
+                <a:latin typeface="+mn-lt"/>
+                <a:ea typeface="+mn-ea"/>
+                <a:cs typeface="+mn-cs"/>
+              </a:rPr>
+              <a:t>Différentes façon de requêter la donnée</a:t>
+            </a:r>
+          </a:p>
+          <a:p>
             <a:endParaRPr lang="fr-CA" dirty="0"/>
           </a:p>
         </p:txBody>
@@ -1647,7 +1666,7 @@
     </p:spTree>
     <p:extLst>
       <p:ext uri="{BB962C8B-B14F-4D97-AF65-F5344CB8AC3E}">
-        <p14:creationId xmlns:p14="http://schemas.microsoft.com/office/powerpoint/2010/main" val="1710809623"/>
+        <p14:creationId xmlns:p14="http://schemas.microsoft.com/office/powerpoint/2010/main" val="898074219"/>
       </p:ext>
     </p:extLst>
   </p:cSld>
@@ -1702,6 +1721,54 @@
           <a:lstStyle/>
           <a:p>
             <a:pPr rtl="0"/>
+            <a:r>
+              <a:rPr lang="fr-CA" dirty="0"/>
+              <a:t/>
+            </a:r>
+            <a:br>
+              <a:rPr lang="fr-CA" dirty="0"/>
+            </a:br>
+            <a:r>
+              <a:rPr lang="fr-CA" sz="1200" b="0" i="0" u="none" strike="noStrike" kern="1200" dirty="0">
+                <a:solidFill>
+                  <a:schemeClr val="tx1"/>
+                </a:solidFill>
+                <a:effectLst/>
+                <a:latin typeface="+mn-lt"/>
+                <a:ea typeface="+mn-ea"/>
+                <a:cs typeface="+mn-cs"/>
+              </a:rPr>
+              <a:t>Explication de l’architecture Driver + </a:t>
+            </a:r>
+            <a:r>
+              <a:rPr lang="fr-CA" sz="1200" b="0" i="0" u="none" strike="noStrike" kern="1200" dirty="0" err="1">
+                <a:solidFill>
+                  <a:schemeClr val="tx1"/>
+                </a:solidFill>
+                <a:effectLst/>
+                <a:latin typeface="+mn-lt"/>
+                <a:ea typeface="+mn-ea"/>
+                <a:cs typeface="+mn-cs"/>
+              </a:rPr>
+              <a:t>Executors</a:t>
+            </a:r>
+            <a:endParaRPr lang="fr-CA" b="0" dirty="0">
+              <a:effectLst/>
+            </a:endParaRPr>
+          </a:p>
+          <a:p>
+            <a:r>
+              <a:rPr lang="fr-CA" sz="1200" b="0" i="0" u="none" strike="noStrike" kern="1200" dirty="0">
+                <a:solidFill>
+                  <a:schemeClr val="tx1"/>
+                </a:solidFill>
+                <a:effectLst/>
+                <a:latin typeface="+mn-lt"/>
+                <a:ea typeface="+mn-ea"/>
+                <a:cs typeface="+mn-cs"/>
+              </a:rPr>
+              <a:t>Différents modes d’exécutions : local, client, cluster</a:t>
+            </a:r>
             <a:endParaRPr lang="fr-CA" dirty="0"/>
           </a:p>
         </p:txBody>
@@ -1732,7 +1799,7 @@
     </p:spTree>
     <p:extLst>
       <p:ext uri="{BB962C8B-B14F-4D97-AF65-F5344CB8AC3E}">
-        <p14:creationId xmlns:p14="http://schemas.microsoft.com/office/powerpoint/2010/main" val="26717798"/>
+        <p14:creationId xmlns:p14="http://schemas.microsoft.com/office/powerpoint/2010/main" val="1710809623"/>
       </p:ext>
     </p:extLst>
   </p:cSld>
@@ -1817,7 +1884,7 @@
     </p:spTree>
     <p:extLst>
       <p:ext uri="{BB962C8B-B14F-4D97-AF65-F5344CB8AC3E}">
-        <p14:creationId xmlns:p14="http://schemas.microsoft.com/office/powerpoint/2010/main" val="4291103980"/>
+        <p14:creationId xmlns:p14="http://schemas.microsoft.com/office/powerpoint/2010/main" val="26717798"/>
       </p:ext>
     </p:extLst>
   </p:cSld>
@@ -1871,6 +1938,7 @@
           <a:bodyPr/>
           <a:lstStyle/>
           <a:p>
+            <a:pPr rtl="0"/>
             <a:endParaRPr lang="fr-CA" dirty="0"/>
           </a:p>
         </p:txBody>
@@ -1892,7 +1960,7 @@
           <a:p>
             <a:fld id="{509D828D-72D4-4AAF-A470-D169282119FA}" type="slidenum">
               <a:rPr lang="fr-CA" smtClean="0"/>
-              <a:t>19</a:t>
+              <a:t>18</a:t>
             </a:fld>
             <a:endParaRPr lang="fr-CA"/>
           </a:p>
@@ -1901,7 +1969,7 @@
     </p:spTree>
     <p:extLst>
       <p:ext uri="{BB962C8B-B14F-4D97-AF65-F5344CB8AC3E}">
-        <p14:creationId xmlns:p14="http://schemas.microsoft.com/office/powerpoint/2010/main" val="3745681050"/>
+        <p14:creationId xmlns:p14="http://schemas.microsoft.com/office/powerpoint/2010/main" val="4291103980"/>
       </p:ext>
     </p:extLst>
   </p:cSld>
@@ -1976,7 +2044,7 @@
           <a:p>
             <a:fld id="{509D828D-72D4-4AAF-A470-D169282119FA}" type="slidenum">
               <a:rPr lang="fr-CA" smtClean="0"/>
-              <a:t>21</a:t>
+              <a:t>20</a:t>
             </a:fld>
             <a:endParaRPr lang="fr-CA"/>
           </a:p>
@@ -1985,7 +2053,7 @@
     </p:spTree>
     <p:extLst>
       <p:ext uri="{BB962C8B-B14F-4D97-AF65-F5344CB8AC3E}">
-        <p14:creationId xmlns:p14="http://schemas.microsoft.com/office/powerpoint/2010/main" val="3634605332"/>
+        <p14:creationId xmlns:p14="http://schemas.microsoft.com/office/powerpoint/2010/main" val="3745681050"/>
       </p:ext>
     </p:extLst>
   </p:cSld>
@@ -2144,7 +2212,7 @@
           <a:p>
             <a:fld id="{509D828D-72D4-4AAF-A470-D169282119FA}" type="slidenum">
               <a:rPr lang="fr-CA" smtClean="0"/>
-              <a:t>23</a:t>
+              <a:t>22</a:t>
             </a:fld>
             <a:endParaRPr lang="fr-CA"/>
           </a:p>
@@ -2153,7 +2221,7 @@
     </p:spTree>
     <p:extLst>
       <p:ext uri="{BB962C8B-B14F-4D97-AF65-F5344CB8AC3E}">
-        <p14:creationId xmlns:p14="http://schemas.microsoft.com/office/powerpoint/2010/main" val="1894882570"/>
+        <p14:creationId xmlns:p14="http://schemas.microsoft.com/office/powerpoint/2010/main" val="3634605332"/>
       </p:ext>
     </p:extLst>
   </p:cSld>
@@ -2237,7 +2305,7 @@
     </p:spTree>
     <p:extLst>
       <p:ext uri="{BB962C8B-B14F-4D97-AF65-F5344CB8AC3E}">
-        <p14:creationId xmlns:p14="http://schemas.microsoft.com/office/powerpoint/2010/main" val="1749344298"/>
+        <p14:creationId xmlns:p14="http://schemas.microsoft.com/office/powerpoint/2010/main" val="1894882570"/>
       </p:ext>
     </p:extLst>
   </p:cSld>
@@ -2321,7 +2389,7 @@
     </p:spTree>
     <p:extLst>
       <p:ext uri="{BB962C8B-B14F-4D97-AF65-F5344CB8AC3E}">
-        <p14:creationId xmlns:p14="http://schemas.microsoft.com/office/powerpoint/2010/main" val="1689073794"/>
+        <p14:creationId xmlns:p14="http://schemas.microsoft.com/office/powerpoint/2010/main" val="1309012300"/>
       </p:ext>
     </p:extLst>
   </p:cSld>
@@ -2397,6 +2465,174 @@
             <a:fld id="{509D828D-72D4-4AAF-A470-D169282119FA}" type="slidenum">
               <a:rPr lang="fr-CA" smtClean="0"/>
               <a:t>26</a:t>
+            </a:fld>
+            <a:endParaRPr lang="fr-CA"/>
+          </a:p>
+        </p:txBody>
+      </p:sp>
+    </p:spTree>
+    <p:extLst>
+      <p:ext uri="{BB962C8B-B14F-4D97-AF65-F5344CB8AC3E}">
+        <p14:creationId xmlns:p14="http://schemas.microsoft.com/office/powerpoint/2010/main" val="1749344298"/>
+      </p:ext>
+    </p:extLst>
+  </p:cSld>
+  <p:clrMapOvr>
+    <a:masterClrMapping/>
+  </p:clrMapOvr>
+</p:notes>
+</file>
+
+<file path=ppt/notesSlides/notesSlide24.xml><?xml version="1.0" encoding="utf-8"?>
+<p:notes xmlns:a="http://schemas.openxmlformats.org/drawingml/2006/main" xmlns:r="http://schemas.openxmlformats.org/officeDocument/2006/relationships" xmlns:p="http://schemas.openxmlformats.org/presentationml/2006/main">
+  <p:cSld>
+    <p:spTree>
+      <p:nvGrpSpPr>
+        <p:cNvPr id="1" name=""/>
+        <p:cNvGrpSpPr/>
+        <p:nvPr/>
+      </p:nvGrpSpPr>
+      <p:grpSpPr>
+        <a:xfrm>
+          <a:off x="0" y="0"/>
+          <a:ext cx="0" cy="0"/>
+          <a:chOff x="0" y="0"/>
+          <a:chExt cx="0" cy="0"/>
+        </a:xfrm>
+      </p:grpSpPr>
+      <p:sp>
+        <p:nvSpPr>
+          <p:cNvPr id="2" name="Slide Image Placeholder 1"/>
+          <p:cNvSpPr>
+            <a:spLocks noGrp="1" noRot="1" noChangeAspect="1"/>
+          </p:cNvSpPr>
+          <p:nvPr>
+            <p:ph type="sldImg"/>
+          </p:nvPr>
+        </p:nvSpPr>
+        <p:spPr/>
+      </p:sp>
+      <p:sp>
+        <p:nvSpPr>
+          <p:cNvPr id="3" name="Notes Placeholder 2"/>
+          <p:cNvSpPr>
+            <a:spLocks noGrp="1"/>
+          </p:cNvSpPr>
+          <p:nvPr>
+            <p:ph type="body" idx="1"/>
+          </p:nvPr>
+        </p:nvSpPr>
+        <p:spPr/>
+        <p:txBody>
+          <a:bodyPr/>
+          <a:lstStyle/>
+          <a:p>
+            <a:endParaRPr lang="fr-CA" dirty="0"/>
+          </a:p>
+        </p:txBody>
+      </p:sp>
+      <p:sp>
+        <p:nvSpPr>
+          <p:cNvPr id="4" name="Slide Number Placeholder 3"/>
+          <p:cNvSpPr>
+            <a:spLocks noGrp="1"/>
+          </p:cNvSpPr>
+          <p:nvPr>
+            <p:ph type="sldNum" sz="quarter" idx="10"/>
+          </p:nvPr>
+        </p:nvSpPr>
+        <p:spPr/>
+        <p:txBody>
+          <a:bodyPr/>
+          <a:lstStyle/>
+          <a:p>
+            <a:fld id="{509D828D-72D4-4AAF-A470-D169282119FA}" type="slidenum">
+              <a:rPr lang="fr-CA" smtClean="0"/>
+              <a:t>27</a:t>
+            </a:fld>
+            <a:endParaRPr lang="fr-CA"/>
+          </a:p>
+        </p:txBody>
+      </p:sp>
+    </p:spTree>
+    <p:extLst>
+      <p:ext uri="{BB962C8B-B14F-4D97-AF65-F5344CB8AC3E}">
+        <p14:creationId xmlns:p14="http://schemas.microsoft.com/office/powerpoint/2010/main" val="1689073794"/>
+      </p:ext>
+    </p:extLst>
+  </p:cSld>
+  <p:clrMapOvr>
+    <a:masterClrMapping/>
+  </p:clrMapOvr>
+</p:notes>
+</file>
+
+<file path=ppt/notesSlides/notesSlide25.xml><?xml version="1.0" encoding="utf-8"?>
+<p:notes xmlns:a="http://schemas.openxmlformats.org/drawingml/2006/main" xmlns:r="http://schemas.openxmlformats.org/officeDocument/2006/relationships" xmlns:p="http://schemas.openxmlformats.org/presentationml/2006/main">
+  <p:cSld>
+    <p:spTree>
+      <p:nvGrpSpPr>
+        <p:cNvPr id="1" name=""/>
+        <p:cNvGrpSpPr/>
+        <p:nvPr/>
+      </p:nvGrpSpPr>
+      <p:grpSpPr>
+        <a:xfrm>
+          <a:off x="0" y="0"/>
+          <a:ext cx="0" cy="0"/>
+          <a:chOff x="0" y="0"/>
+          <a:chExt cx="0" cy="0"/>
+        </a:xfrm>
+      </p:grpSpPr>
+      <p:sp>
+        <p:nvSpPr>
+          <p:cNvPr id="2" name="Slide Image Placeholder 1"/>
+          <p:cNvSpPr>
+            <a:spLocks noGrp="1" noRot="1" noChangeAspect="1"/>
+          </p:cNvSpPr>
+          <p:nvPr>
+            <p:ph type="sldImg"/>
+          </p:nvPr>
+        </p:nvSpPr>
+        <p:spPr/>
+      </p:sp>
+      <p:sp>
+        <p:nvSpPr>
+          <p:cNvPr id="3" name="Notes Placeholder 2"/>
+          <p:cNvSpPr>
+            <a:spLocks noGrp="1"/>
+          </p:cNvSpPr>
+          <p:nvPr>
+            <p:ph type="body" idx="1"/>
+          </p:nvPr>
+        </p:nvSpPr>
+        <p:spPr/>
+        <p:txBody>
+          <a:bodyPr/>
+          <a:lstStyle/>
+          <a:p>
+            <a:endParaRPr lang="fr-CA" dirty="0"/>
+          </a:p>
+        </p:txBody>
+      </p:sp>
+      <p:sp>
+        <p:nvSpPr>
+          <p:cNvPr id="4" name="Slide Number Placeholder 3"/>
+          <p:cNvSpPr>
+            <a:spLocks noGrp="1"/>
+          </p:cNvSpPr>
+          <p:nvPr>
+            <p:ph type="sldNum" sz="quarter" idx="10"/>
+          </p:nvPr>
+        </p:nvSpPr>
+        <p:spPr/>
+        <p:txBody>
+          <a:bodyPr/>
+          <a:lstStyle/>
+          <a:p>
+            <a:fld id="{509D828D-72D4-4AAF-A470-D169282119FA}" type="slidenum">
+              <a:rPr lang="fr-CA" smtClean="0"/>
+              <a:t>28</a:t>
             </a:fld>
             <a:endParaRPr lang="fr-CA"/>
           </a:p>
@@ -8138,7 +8374,7 @@
           <a:p>
             <a:r>
               <a:rPr lang="fr-CA" dirty="0"/>
-              <a:t>Les APIs</a:t>
+              <a:t>Écosystème</a:t>
             </a:r>
           </a:p>
         </p:txBody>
@@ -8153,7 +8389,12 @@
             <p:ph type="body" sz="quarter" idx="14"/>
           </p:nvPr>
         </p:nvSpPr>
-        <p:spPr/>
+        <p:spPr>
+          <a:xfrm>
+            <a:off x="838200" y="1793827"/>
+            <a:ext cx="10515600" cy="4258766"/>
+          </a:xfrm>
+        </p:spPr>
         <p:txBody>
           <a:bodyPr/>
           <a:lstStyle/>
@@ -8163,34 +8404,11 @@
             </a:pPr>
             <a:r>
               <a:rPr lang="fr-CA" dirty="0"/>
-              <a:t>Spark : les APIs</a:t>
-            </a:r>
-            <a:br>
-              <a:rPr lang="fr-CA" dirty="0"/>
-            </a:br>
-            <a:endParaRPr lang="fr-CA" dirty="0"/>
-          </a:p>
-          <a:p>
-            <a:pPr lvl="1"/>
-            <a:r>
-              <a:rPr lang="en-US" dirty="0" err="1"/>
-              <a:t>Trois</a:t>
+              <a:t>Écosystème</a:t>
             </a:r>
             <a:r>
               <a:rPr lang="en-US" dirty="0"/>
-              <a:t> </a:t>
-            </a:r>
-            <a:r>
-              <a:rPr lang="en-US" dirty="0" err="1"/>
-              <a:t>niveaux</a:t>
-            </a:r>
-            <a:r>
-              <a:rPr lang="en-US" dirty="0"/>
-              <a:t> </a:t>
-            </a:r>
-            <a:r>
-              <a:rPr lang="en-US" dirty="0" err="1"/>
-              <a:t>d’API</a:t>
+              <a:t/>
             </a:r>
             <a:br>
               <a:rPr lang="en-US" dirty="0"/>
@@ -8198,38 +8416,87 @@
             <a:endParaRPr lang="fr-CA" dirty="0"/>
           </a:p>
           <a:p>
+            <a:pPr lvl="1"/>
+            <a:r>
+              <a:rPr lang="en-US" dirty="0" err="1" smtClean="0"/>
+              <a:t>Langages</a:t>
+            </a:r>
+            <a:r>
+              <a:rPr lang="en-US" dirty="0" smtClean="0"/>
+              <a:t> de </a:t>
+            </a:r>
+            <a:r>
+              <a:rPr lang="en-US" dirty="0" err="1" smtClean="0"/>
+              <a:t>programmation</a:t>
+            </a:r>
+            <a:r>
+              <a:rPr lang="en-US" dirty="0"/>
+              <a:t/>
+            </a:r>
+            <a:br>
+              <a:rPr lang="en-US" dirty="0"/>
+            </a:br>
+            <a:endParaRPr lang="fr-CA" dirty="0"/>
+          </a:p>
+          <a:p>
             <a:pPr lvl="2"/>
             <a:r>
+              <a:rPr lang="fr-CA" dirty="0" smtClean="0"/>
+              <a:t>Codé en Scala</a:t>
+            </a:r>
+            <a:endParaRPr lang="fr-CA" dirty="0"/>
+          </a:p>
+          <a:p>
+            <a:pPr lvl="2"/>
+            <a:r>
+              <a:rPr lang="fr-CA" dirty="0" smtClean="0"/>
+              <a:t>APIs pour Scala, Python, Java</a:t>
+            </a:r>
+            <a:endParaRPr lang="fr-CA" dirty="0"/>
+          </a:p>
+          <a:p>
+            <a:pPr lvl="2"/>
+            <a:endParaRPr lang="fr-CA" dirty="0"/>
+          </a:p>
+          <a:p>
+            <a:pPr lvl="1"/>
+            <a:r>
+              <a:rPr lang="en-US" dirty="0"/>
+              <a:t>Notebooks</a:t>
+            </a:r>
+            <a:br>
+              <a:rPr lang="en-US" dirty="0"/>
+            </a:br>
+            <a:endParaRPr lang="fr-CA" dirty="0"/>
+          </a:p>
+          <a:p>
+            <a:pPr lvl="2"/>
+            <a:r>
               <a:rPr lang="fr-CA" dirty="0"/>
-              <a:t>RDD : données non structurées </a:t>
+              <a:t>Spark Shell</a:t>
             </a:r>
           </a:p>
           <a:p>
             <a:pPr lvl="2"/>
             <a:r>
-              <a:rPr lang="fr-CA" dirty="0" err="1"/>
-              <a:t>DataFrame</a:t>
-            </a:r>
-            <a:r>
-              <a:rPr lang="fr-CA" dirty="0"/>
-              <a:t> : données structurées, sans types</a:t>
+              <a:rPr lang="fr-CA" dirty="0" smtClean="0"/>
+              <a:t>Apache Zeppelin</a:t>
             </a:r>
           </a:p>
           <a:p>
             <a:pPr lvl="2"/>
             <a:r>
-              <a:rPr lang="fr-CA" dirty="0" err="1"/>
-              <a:t>DataSet</a:t>
-            </a:r>
-            <a:r>
-              <a:rPr lang="fr-CA" dirty="0"/>
-              <a:t> : données structurées, avec types</a:t>
-            </a:r>
-          </a:p>
-          <a:p>
-            <a:pPr marL="914400" lvl="2" indent="0">
-              <a:buNone/>
-            </a:pPr>
+              <a:rPr lang="fr-CA" dirty="0" err="1" smtClean="0"/>
+              <a:t>Jupyter</a:t>
+            </a:r>
+            <a:endParaRPr lang="fr-CA" dirty="0" smtClean="0"/>
+          </a:p>
+          <a:p>
+            <a:pPr lvl="2"/>
+            <a:endParaRPr lang="fr-CA" dirty="0"/>
+          </a:p>
+          <a:p>
+            <a:pPr lvl="2"/>
             <a:endParaRPr lang="fr-CA" dirty="0"/>
           </a:p>
         </p:txBody>
@@ -8237,7 +8504,7 @@
     </p:spTree>
     <p:extLst>
       <p:ext uri="{BB962C8B-B14F-4D97-AF65-F5344CB8AC3E}">
-        <p14:creationId xmlns:p14="http://schemas.microsoft.com/office/powerpoint/2010/main" val="270996344"/>
+        <p14:creationId xmlns:p14="http://schemas.microsoft.com/office/powerpoint/2010/main" val="168018061"/>
       </p:ext>
     </p:extLst>
   </p:cSld>
@@ -8303,6 +8570,175 @@
           <a:p>
             <a:r>
               <a:rPr lang="fr-CA" dirty="0"/>
+              <a:t>Les APIs</a:t>
+            </a:r>
+          </a:p>
+        </p:txBody>
+      </p:sp>
+      <p:sp>
+        <p:nvSpPr>
+          <p:cNvPr id="7" name="Text Placeholder 6"/>
+          <p:cNvSpPr>
+            <a:spLocks noGrp="1"/>
+          </p:cNvSpPr>
+          <p:nvPr>
+            <p:ph type="body" sz="quarter" idx="14"/>
+          </p:nvPr>
+        </p:nvSpPr>
+        <p:spPr/>
+        <p:txBody>
+          <a:bodyPr/>
+          <a:lstStyle/>
+          <a:p>
+            <a:pPr marL="0" indent="0">
+              <a:buNone/>
+            </a:pPr>
+            <a:r>
+              <a:rPr lang="fr-CA" dirty="0"/>
+              <a:t>Spark : les APIs</a:t>
+            </a:r>
+            <a:br>
+              <a:rPr lang="fr-CA" dirty="0"/>
+            </a:br>
+            <a:endParaRPr lang="fr-CA" dirty="0"/>
+          </a:p>
+          <a:p>
+            <a:pPr lvl="1"/>
+            <a:r>
+              <a:rPr lang="en-US" dirty="0" err="1"/>
+              <a:t>Trois</a:t>
+            </a:r>
+            <a:r>
+              <a:rPr lang="en-US" dirty="0"/>
+              <a:t> </a:t>
+            </a:r>
+            <a:r>
+              <a:rPr lang="en-US" dirty="0" err="1"/>
+              <a:t>niveaux</a:t>
+            </a:r>
+            <a:r>
+              <a:rPr lang="en-US" dirty="0"/>
+              <a:t> </a:t>
+            </a:r>
+            <a:r>
+              <a:rPr lang="en-US" dirty="0" err="1"/>
+              <a:t>d’API</a:t>
+            </a:r>
+            <a:r>
+              <a:rPr lang="en-US" dirty="0"/>
+              <a:t/>
+            </a:r>
+            <a:br>
+              <a:rPr lang="en-US" dirty="0"/>
+            </a:br>
+            <a:endParaRPr lang="fr-CA" dirty="0"/>
+          </a:p>
+          <a:p>
+            <a:pPr lvl="2"/>
+            <a:r>
+              <a:rPr lang="fr-CA" dirty="0"/>
+              <a:t>RDD : données non structurées </a:t>
+            </a:r>
+          </a:p>
+          <a:p>
+            <a:pPr lvl="2"/>
+            <a:r>
+              <a:rPr lang="fr-CA" dirty="0" err="1"/>
+              <a:t>DataFrame</a:t>
+            </a:r>
+            <a:r>
+              <a:rPr lang="fr-CA" dirty="0"/>
+              <a:t> : données structurées, sans types</a:t>
+            </a:r>
+          </a:p>
+          <a:p>
+            <a:pPr lvl="2"/>
+            <a:r>
+              <a:rPr lang="fr-CA" dirty="0" err="1"/>
+              <a:t>DataSet</a:t>
+            </a:r>
+            <a:r>
+              <a:rPr lang="fr-CA" dirty="0"/>
+              <a:t> : données structurées, avec types</a:t>
+            </a:r>
+          </a:p>
+          <a:p>
+            <a:pPr marL="914400" lvl="2" indent="0">
+              <a:buNone/>
+            </a:pPr>
+            <a:endParaRPr lang="fr-CA" dirty="0"/>
+          </a:p>
+        </p:txBody>
+      </p:sp>
+    </p:spTree>
+    <p:extLst>
+      <p:ext uri="{BB962C8B-B14F-4D97-AF65-F5344CB8AC3E}">
+        <p14:creationId xmlns:p14="http://schemas.microsoft.com/office/powerpoint/2010/main" val="270996344"/>
+      </p:ext>
+    </p:extLst>
+  </p:cSld>
+  <p:clrMapOvr>
+    <a:masterClrMapping/>
+  </p:clrMapOvr>
+</p:sld>
+</file>
+
+<file path=ppt/slides/slide12.xml><?xml version="1.0" encoding="utf-8"?>
+<p:sld xmlns:a="http://schemas.openxmlformats.org/drawingml/2006/main" xmlns:r="http://schemas.openxmlformats.org/officeDocument/2006/relationships" xmlns:p="http://schemas.openxmlformats.org/presentationml/2006/main">
+  <p:cSld>
+    <p:spTree>
+      <p:nvGrpSpPr>
+        <p:cNvPr id="1" name=""/>
+        <p:cNvGrpSpPr/>
+        <p:nvPr/>
+      </p:nvGrpSpPr>
+      <p:grpSpPr>
+        <a:xfrm>
+          <a:off x="0" y="0"/>
+          <a:ext cx="0" cy="0"/>
+          <a:chOff x="0" y="0"/>
+          <a:chExt cx="0" cy="0"/>
+        </a:xfrm>
+      </p:grpSpPr>
+      <p:sp>
+        <p:nvSpPr>
+          <p:cNvPr id="5" name="Title 4"/>
+          <p:cNvSpPr>
+            <a:spLocks noGrp="1"/>
+          </p:cNvSpPr>
+          <p:nvPr>
+            <p:ph type="title"/>
+          </p:nvPr>
+        </p:nvSpPr>
+        <p:spPr/>
+        <p:txBody>
+          <a:bodyPr/>
+          <a:lstStyle/>
+          <a:p>
+            <a:r>
+              <a:rPr lang="fr-CA" dirty="0"/>
+              <a:t>Spark</a:t>
+            </a:r>
+          </a:p>
+        </p:txBody>
+      </p:sp>
+      <p:sp>
+        <p:nvSpPr>
+          <p:cNvPr id="6" name="Text Placeholder 5"/>
+          <p:cNvSpPr>
+            <a:spLocks noGrp="1"/>
+          </p:cNvSpPr>
+          <p:nvPr>
+            <p:ph type="body" sz="quarter" idx="13"/>
+          </p:nvPr>
+        </p:nvSpPr>
+        <p:spPr/>
+        <p:txBody>
+          <a:bodyPr/>
+          <a:lstStyle/>
+          <a:p>
+            <a:r>
+              <a:rPr lang="fr-CA" dirty="0"/>
               <a:t>Le RDD</a:t>
             </a:r>
           </a:p>
@@ -8376,8 +8812,13 @@
             <a:pPr lvl="2"/>
             <a:r>
               <a:rPr lang="fr-CA" dirty="0"/>
-              <a:t>Structure de donnée immutable</a:t>
-            </a:r>
+              <a:t>Structure de donnée </a:t>
+            </a:r>
+            <a:r>
+              <a:rPr lang="fr-CA" dirty="0" smtClean="0"/>
+              <a:t>immuable</a:t>
+            </a:r>
+            <a:endParaRPr lang="fr-CA" dirty="0"/>
           </a:p>
         </p:txBody>
       </p:sp>
@@ -8394,7 +8835,7 @@
 </p:sld>
 </file>
 
-<file path=ppt/slides/slide12.xml><?xml version="1.0" encoding="utf-8"?>
+<file path=ppt/slides/slide13.xml><?xml version="1.0" encoding="utf-8"?>
 <p:sld xmlns:a="http://schemas.openxmlformats.org/drawingml/2006/main" xmlns:r="http://schemas.openxmlformats.org/officeDocument/2006/relationships" xmlns:p="http://schemas.openxmlformats.org/presentationml/2006/main">
   <p:cSld>
     <p:spTree>
@@ -8646,7 +9087,7 @@
 </p:sld>
 </file>
 
-<file path=ppt/slides/slide13.xml><?xml version="1.0" encoding="utf-8"?>
+<file path=ppt/slides/slide14.xml><?xml version="1.0" encoding="utf-8"?>
 <p:sld xmlns:a="http://schemas.openxmlformats.org/drawingml/2006/main" xmlns:r="http://schemas.openxmlformats.org/officeDocument/2006/relationships" xmlns:p="http://schemas.openxmlformats.org/presentationml/2006/main">
   <p:cSld>
     <p:spTree>
@@ -8795,151 +9236,6 @@
 </p:sld>
 </file>
 
-<file path=ppt/slides/slide14.xml><?xml version="1.0" encoding="utf-8"?>
-<p:sld xmlns:a="http://schemas.openxmlformats.org/drawingml/2006/main" xmlns:r="http://schemas.openxmlformats.org/officeDocument/2006/relationships" xmlns:p="http://schemas.openxmlformats.org/presentationml/2006/main">
-  <p:cSld>
-    <p:spTree>
-      <p:nvGrpSpPr>
-        <p:cNvPr id="1" name=""/>
-        <p:cNvGrpSpPr/>
-        <p:nvPr/>
-      </p:nvGrpSpPr>
-      <p:grpSpPr>
-        <a:xfrm>
-          <a:off x="0" y="0"/>
-          <a:ext cx="0" cy="0"/>
-          <a:chOff x="0" y="0"/>
-          <a:chExt cx="0" cy="0"/>
-        </a:xfrm>
-      </p:grpSpPr>
-      <p:sp>
-        <p:nvSpPr>
-          <p:cNvPr id="5" name="Title 4"/>
-          <p:cNvSpPr>
-            <a:spLocks noGrp="1"/>
-          </p:cNvSpPr>
-          <p:nvPr>
-            <p:ph type="title"/>
-          </p:nvPr>
-        </p:nvSpPr>
-        <p:spPr/>
-        <p:txBody>
-          <a:bodyPr/>
-          <a:lstStyle/>
-          <a:p>
-            <a:r>
-              <a:rPr lang="fr-CA" dirty="0"/>
-              <a:t>Spark</a:t>
-            </a:r>
-          </a:p>
-        </p:txBody>
-      </p:sp>
-      <p:sp>
-        <p:nvSpPr>
-          <p:cNvPr id="6" name="Text Placeholder 5"/>
-          <p:cNvSpPr>
-            <a:spLocks noGrp="1"/>
-          </p:cNvSpPr>
-          <p:nvPr>
-            <p:ph type="body" sz="quarter" idx="13"/>
-          </p:nvPr>
-        </p:nvSpPr>
-        <p:spPr/>
-        <p:txBody>
-          <a:bodyPr/>
-          <a:lstStyle/>
-          <a:p>
-            <a:r>
-              <a:rPr lang="fr-CA" dirty="0"/>
-              <a:t>Spark SQL</a:t>
-            </a:r>
-          </a:p>
-        </p:txBody>
-      </p:sp>
-      <p:sp>
-        <p:nvSpPr>
-          <p:cNvPr id="7" name="Text Placeholder 6"/>
-          <p:cNvSpPr>
-            <a:spLocks noGrp="1"/>
-          </p:cNvSpPr>
-          <p:nvPr>
-            <p:ph type="body" sz="quarter" idx="14"/>
-          </p:nvPr>
-        </p:nvSpPr>
-        <p:spPr/>
-        <p:txBody>
-          <a:bodyPr/>
-          <a:lstStyle/>
-          <a:p>
-            <a:pPr marL="0" indent="0">
-              <a:buNone/>
-            </a:pPr>
-            <a:r>
-              <a:rPr lang="fr-CA" dirty="0"/>
-              <a:t>Spark SQL</a:t>
-            </a:r>
-            <a:br>
-              <a:rPr lang="en-US" dirty="0"/>
-            </a:br>
-            <a:endParaRPr lang="fr-CA" dirty="0"/>
-          </a:p>
-          <a:p>
-            <a:pPr lvl="2"/>
-            <a:r>
-              <a:rPr lang="fr-CA" dirty="0"/>
-              <a:t>Pour les données structurées</a:t>
-            </a:r>
-          </a:p>
-          <a:p>
-            <a:pPr lvl="2"/>
-            <a:r>
-              <a:rPr lang="fr-CA" dirty="0"/>
-              <a:t>Inférence du schéma</a:t>
-            </a:r>
-          </a:p>
-          <a:p>
-            <a:pPr lvl="2"/>
-            <a:r>
-              <a:rPr lang="fr-CA" dirty="0"/>
-              <a:t>Moteur d’optimisation </a:t>
-            </a:r>
-            <a:r>
-              <a:rPr lang="fr-CA" dirty="0" err="1"/>
-              <a:t>Catalyst</a:t>
-            </a:r>
-            <a:endParaRPr lang="fr-CA" dirty="0"/>
-          </a:p>
-          <a:p>
-            <a:pPr lvl="2"/>
-            <a:r>
-              <a:rPr lang="fr-CA" dirty="0"/>
-              <a:t>API Spark ou </a:t>
-            </a:r>
-            <a:r>
-              <a:rPr lang="fr-CA" dirty="0" err="1"/>
-              <a:t>HiveQL</a:t>
-            </a:r>
-            <a:endParaRPr lang="fr-CA" dirty="0"/>
-          </a:p>
-          <a:p>
-            <a:pPr lvl="2"/>
-            <a:endParaRPr lang="fr-CA" dirty="0"/>
-          </a:p>
-        </p:txBody>
-      </p:sp>
-    </p:spTree>
-    <p:extLst>
-      <p:ext uri="{BB962C8B-B14F-4D97-AF65-F5344CB8AC3E}">
-        <p14:creationId xmlns:p14="http://schemas.microsoft.com/office/powerpoint/2010/main" val="2435424047"/>
-      </p:ext>
-    </p:extLst>
-  </p:cSld>
-  <p:clrMapOvr>
-    <a:masterClrMapping/>
-  </p:clrMapOvr>
-</p:sld>
-</file>
-
 <file path=ppt/slides/slide15.xml><?xml version="1.0" encoding="utf-8"?>
 <p:sld xmlns:a="http://schemas.openxmlformats.org/drawingml/2006/main" xmlns:r="http://schemas.openxmlformats.org/officeDocument/2006/relationships" xmlns:p="http://schemas.openxmlformats.org/presentationml/2006/main">
   <p:cSld>
@@ -8996,7 +9292,7 @@
           <a:p>
             <a:r>
               <a:rPr lang="fr-CA" dirty="0"/>
-              <a:t>Comment Spark s’exécute? </a:t>
+              <a:t>Spark SQL</a:t>
             </a:r>
           </a:p>
         </p:txBody>
@@ -9021,7 +9317,11 @@
             </a:pPr>
             <a:r>
               <a:rPr lang="fr-CA" dirty="0"/>
-              <a:t>Comment Spark s’exécute? </a:t>
+              <a:t>Spark SQL</a:t>
+            </a:r>
+            <a:r>
+              <a:rPr lang="en-US" dirty="0"/>
+              <a:t/>
             </a:r>
             <a:br>
               <a:rPr lang="en-US" dirty="0"/>
@@ -9032,6 +9332,155 @@
             <a:pPr lvl="2"/>
             <a:r>
               <a:rPr lang="fr-CA" dirty="0"/>
+              <a:t>Pour les données structurées</a:t>
+            </a:r>
+          </a:p>
+          <a:p>
+            <a:pPr lvl="2"/>
+            <a:r>
+              <a:rPr lang="fr-CA" dirty="0"/>
+              <a:t>Inférence du schéma</a:t>
+            </a:r>
+          </a:p>
+          <a:p>
+            <a:pPr lvl="2"/>
+            <a:r>
+              <a:rPr lang="fr-CA" dirty="0"/>
+              <a:t>Moteur d’optimisation </a:t>
+            </a:r>
+            <a:r>
+              <a:rPr lang="fr-CA" dirty="0" err="1"/>
+              <a:t>Catalyst</a:t>
+            </a:r>
+            <a:endParaRPr lang="fr-CA" dirty="0"/>
+          </a:p>
+          <a:p>
+            <a:pPr lvl="2"/>
+            <a:r>
+              <a:rPr lang="fr-CA" dirty="0"/>
+              <a:t>API Spark ou </a:t>
+            </a:r>
+            <a:r>
+              <a:rPr lang="fr-CA" dirty="0" err="1"/>
+              <a:t>HiveQL</a:t>
+            </a:r>
+            <a:endParaRPr lang="fr-CA" dirty="0"/>
+          </a:p>
+          <a:p>
+            <a:pPr lvl="2"/>
+            <a:endParaRPr lang="fr-CA" dirty="0"/>
+          </a:p>
+        </p:txBody>
+      </p:sp>
+    </p:spTree>
+    <p:extLst>
+      <p:ext uri="{BB962C8B-B14F-4D97-AF65-F5344CB8AC3E}">
+        <p14:creationId xmlns:p14="http://schemas.microsoft.com/office/powerpoint/2010/main" val="2435424047"/>
+      </p:ext>
+    </p:extLst>
+  </p:cSld>
+  <p:clrMapOvr>
+    <a:masterClrMapping/>
+  </p:clrMapOvr>
+</p:sld>
+</file>
+
+<file path=ppt/slides/slide16.xml><?xml version="1.0" encoding="utf-8"?>
+<p:sld xmlns:a="http://schemas.openxmlformats.org/drawingml/2006/main" xmlns:r="http://schemas.openxmlformats.org/officeDocument/2006/relationships" xmlns:p="http://schemas.openxmlformats.org/presentationml/2006/main">
+  <p:cSld>
+    <p:spTree>
+      <p:nvGrpSpPr>
+        <p:cNvPr id="1" name=""/>
+        <p:cNvGrpSpPr/>
+        <p:nvPr/>
+      </p:nvGrpSpPr>
+      <p:grpSpPr>
+        <a:xfrm>
+          <a:off x="0" y="0"/>
+          <a:ext cx="0" cy="0"/>
+          <a:chOff x="0" y="0"/>
+          <a:chExt cx="0" cy="0"/>
+        </a:xfrm>
+      </p:grpSpPr>
+      <p:sp>
+        <p:nvSpPr>
+          <p:cNvPr id="5" name="Title 4"/>
+          <p:cNvSpPr>
+            <a:spLocks noGrp="1"/>
+          </p:cNvSpPr>
+          <p:nvPr>
+            <p:ph type="title"/>
+          </p:nvPr>
+        </p:nvSpPr>
+        <p:spPr/>
+        <p:txBody>
+          <a:bodyPr/>
+          <a:lstStyle/>
+          <a:p>
+            <a:r>
+              <a:rPr lang="fr-CA" dirty="0"/>
+              <a:t>Spark</a:t>
+            </a:r>
+          </a:p>
+        </p:txBody>
+      </p:sp>
+      <p:sp>
+        <p:nvSpPr>
+          <p:cNvPr id="6" name="Text Placeholder 5"/>
+          <p:cNvSpPr>
+            <a:spLocks noGrp="1"/>
+          </p:cNvSpPr>
+          <p:nvPr>
+            <p:ph type="body" sz="quarter" idx="13"/>
+          </p:nvPr>
+        </p:nvSpPr>
+        <p:spPr/>
+        <p:txBody>
+          <a:bodyPr/>
+          <a:lstStyle/>
+          <a:p>
+            <a:r>
+              <a:rPr lang="fr-CA" dirty="0"/>
+              <a:t>Comment Spark s’exécute? </a:t>
+            </a:r>
+          </a:p>
+        </p:txBody>
+      </p:sp>
+      <p:sp>
+        <p:nvSpPr>
+          <p:cNvPr id="7" name="Text Placeholder 6"/>
+          <p:cNvSpPr>
+            <a:spLocks noGrp="1"/>
+          </p:cNvSpPr>
+          <p:nvPr>
+            <p:ph type="body" sz="quarter" idx="14"/>
+          </p:nvPr>
+        </p:nvSpPr>
+        <p:spPr/>
+        <p:txBody>
+          <a:bodyPr/>
+          <a:lstStyle/>
+          <a:p>
+            <a:pPr marL="0" indent="0">
+              <a:buNone/>
+            </a:pPr>
+            <a:r>
+              <a:rPr lang="fr-CA" dirty="0"/>
+              <a:t>Comment Spark s’exécute? </a:t>
+            </a:r>
+            <a:r>
+              <a:rPr lang="en-US" dirty="0"/>
+              <a:t/>
+            </a:r>
+            <a:br>
+              <a:rPr lang="en-US" dirty="0"/>
+            </a:br>
+            <a:endParaRPr lang="fr-CA" dirty="0"/>
+          </a:p>
+          <a:p>
+            <a:pPr lvl="2"/>
+            <a:r>
+              <a:rPr lang="fr-CA" dirty="0"/>
               <a:t>Un driver : le chef d’orchestre</a:t>
             </a:r>
           </a:p>
@@ -9046,8 +9495,13 @@
             <a:pPr lvl="2"/>
             <a:r>
               <a:rPr lang="fr-CA" dirty="0"/>
-              <a:t>Un gestionnaire de ressource</a:t>
-            </a:r>
+              <a:t>Un gestionnaire de </a:t>
+            </a:r>
+            <a:r>
+              <a:rPr lang="fr-CA" dirty="0" smtClean="0"/>
+              <a:t>ressources</a:t>
+            </a:r>
+            <a:endParaRPr lang="fr-CA" dirty="0"/>
           </a:p>
           <a:p>
             <a:pPr lvl="2"/>
@@ -9109,7 +9563,7 @@
 </p:sld>
 </file>
 
-<file path=ppt/slides/slide16.xml><?xml version="1.0" encoding="utf-8"?>
+<file path=ppt/slides/slide17.xml><?xml version="1.0" encoding="utf-8"?>
 <p:sld xmlns:a="http://schemas.openxmlformats.org/drawingml/2006/main" xmlns:r="http://schemas.openxmlformats.org/officeDocument/2006/relationships" xmlns:p="http://schemas.openxmlformats.org/presentationml/2006/main">
   <p:cSld>
     <p:spTree>
@@ -9194,8 +9648,20 @@
               <a:buNone/>
             </a:pPr>
             <a:r>
-              <a:rPr lang="fr-CA" dirty="0"/>
-              <a:t>Spark &amp; Azure </a:t>
+              <a:rPr lang="fr-CA" dirty="0" err="1" smtClean="0"/>
+              <a:t>HDInsight</a:t>
+            </a:r>
+            <a:r>
+              <a:rPr lang="fr-CA" dirty="0" smtClean="0"/>
+              <a:t> </a:t>
+            </a:r>
+            <a:r>
+              <a:rPr lang="fr-CA" dirty="0" err="1" smtClean="0"/>
+              <a:t>Spark</a:t>
+            </a:r>
+            <a:r>
+              <a:rPr lang="en-US" dirty="0"/>
+              <a:t/>
             </a:r>
             <a:br>
               <a:rPr lang="en-US" dirty="0"/>
@@ -9206,6 +9672,10 @@
             <a:pPr marL="0" indent="0">
               <a:buNone/>
             </a:pPr>
+            <a:r>
+              <a:rPr lang="en-US" dirty="0"/>
+              <a:t/>
+            </a:r>
             <a:br>
               <a:rPr lang="en-US" dirty="0"/>
             </a:br>
@@ -9218,7 +9688,7 @@
           <p:cNvPr id="2" name="Picture 1">
             <a:extLst>
               <a:ext uri="{FF2B5EF4-FFF2-40B4-BE49-F238E27FC236}">
-                <a16:creationId xmlns:a16="http://schemas.microsoft.com/office/drawing/2014/main" id="{B62F2321-3DFD-4810-9865-2FC89DC34B32}"/>
+                <a16:creationId xmlns:a16="http://schemas.microsoft.com/office/drawing/2014/main" xmlns="" id="{B62F2321-3DFD-4810-9865-2FC89DC34B32}"/>
               </a:ext>
             </a:extLst>
           </p:cNvPr>
@@ -9256,7 +9726,7 @@
 </p:sld>
 </file>
 
-<file path=ppt/slides/slide17.xml><?xml version="1.0" encoding="utf-8"?>
+<file path=ppt/slides/slide18.xml><?xml version="1.0" encoding="utf-8"?>
 <p:sld xmlns:a="http://schemas.openxmlformats.org/drawingml/2006/main" xmlns:r="http://schemas.openxmlformats.org/officeDocument/2006/relationships" xmlns:p="http://schemas.openxmlformats.org/presentationml/2006/main">
   <p:cSld>
     <p:spTree>
@@ -9344,6 +9814,10 @@
               <a:rPr lang="fr-CA" dirty="0"/>
               <a:t>Principaux avantages de Spark dans Azure</a:t>
             </a:r>
+            <a:r>
+              <a:rPr lang="en-US" dirty="0"/>
+              <a:t/>
+            </a:r>
             <a:br>
               <a:rPr lang="en-US" dirty="0"/>
             </a:br>
@@ -9377,7 +9851,7 @@
           <p:cNvPr id="3" name="Picture 2">
             <a:extLst>
               <a:ext uri="{FF2B5EF4-FFF2-40B4-BE49-F238E27FC236}">
-                <a16:creationId xmlns:a16="http://schemas.microsoft.com/office/drawing/2014/main" id="{34E3B4B7-8AD0-4BED-B7D7-CC499F3B0336}"/>
+                <a16:creationId xmlns:a16="http://schemas.microsoft.com/office/drawing/2014/main" xmlns="" id="{34E3B4B7-8AD0-4BED-B7D7-CC499F3B0336}"/>
               </a:ext>
             </a:extLst>
           </p:cNvPr>
@@ -9421,140 +9895,6 @@
 </p:sld>
 </file>
 
-<file path=ppt/slides/slide18.xml><?xml version="1.0" encoding="utf-8"?>
-<p:sld xmlns:a="http://schemas.openxmlformats.org/drawingml/2006/main" xmlns:r="http://schemas.openxmlformats.org/officeDocument/2006/relationships" xmlns:p="http://schemas.openxmlformats.org/presentationml/2006/main">
-  <p:cSld>
-    <p:spTree>
-      <p:nvGrpSpPr>
-        <p:cNvPr id="1" name=""/>
-        <p:cNvGrpSpPr/>
-        <p:nvPr/>
-      </p:nvGrpSpPr>
-      <p:grpSpPr>
-        <a:xfrm>
-          <a:off x="0" y="0"/>
-          <a:ext cx="0" cy="0"/>
-          <a:chOff x="0" y="0"/>
-          <a:chExt cx="0" cy="0"/>
-        </a:xfrm>
-      </p:grpSpPr>
-      <p:sp>
-        <p:nvSpPr>
-          <p:cNvPr id="5" name="Slide Number Placeholder 4"/>
-          <p:cNvSpPr>
-            <a:spLocks noGrp="1"/>
-          </p:cNvSpPr>
-          <p:nvPr>
-            <p:ph type="sldNum" sz="quarter" idx="12"/>
-            <p:custDataLst>
-              <p:tags r:id="rId1"/>
-            </p:custDataLst>
-          </p:nvPr>
-        </p:nvSpPr>
-        <p:spPr/>
-        <p:txBody>
-          <a:bodyPr/>
-          <a:lstStyle/>
-          <a:p>
-            <a:pPr>
-              <a:defRPr/>
-            </a:pPr>
-            <a:fld id="{65EBB3E1-AE01-4DB2-B242-50A0419F339A}" type="slidenum">
-              <a:rPr lang="en-US" smtClean="0"/>
-              <a:pPr>
-                <a:defRPr/>
-              </a:pPr>
-              <a:t>18</a:t>
-            </a:fld>
-            <a:endParaRPr lang="en-US"/>
-          </a:p>
-        </p:txBody>
-      </p:sp>
-      <p:sp>
-        <p:nvSpPr>
-          <p:cNvPr id="11" name="Title 10"/>
-          <p:cNvSpPr>
-            <a:spLocks noGrp="1"/>
-          </p:cNvSpPr>
-          <p:nvPr>
-            <p:ph type="ctrTitle"/>
-          </p:nvPr>
-        </p:nvSpPr>
-        <p:spPr/>
-        <p:txBody>
-          <a:bodyPr/>
-          <a:lstStyle/>
-          <a:p>
-            <a:r>
-              <a:rPr lang="fr-CA" dirty="0"/>
-              <a:t>Lab </a:t>
-            </a:r>
-          </a:p>
-        </p:txBody>
-      </p:sp>
-      <p:sp>
-        <p:nvSpPr>
-          <p:cNvPr id="12" name="Subtitle 11"/>
-          <p:cNvSpPr>
-            <a:spLocks noGrp="1"/>
-          </p:cNvSpPr>
-          <p:nvPr>
-            <p:ph type="subTitle" idx="1"/>
-          </p:nvPr>
-        </p:nvSpPr>
-        <p:spPr/>
-        <p:txBody>
-          <a:bodyPr/>
-          <a:lstStyle/>
-          <a:p>
-            <a:pPr marL="0" indent="0">
-              <a:buNone/>
-            </a:pPr>
-            <a:r>
-              <a:rPr lang="fr-CA" dirty="0"/>
-              <a:t>Big Data : HDInsight + Spark</a:t>
-            </a:r>
-          </a:p>
-        </p:txBody>
-      </p:sp>
-      <p:sp>
-        <p:nvSpPr>
-          <p:cNvPr id="13" name="Text Placeholder 12"/>
-          <p:cNvSpPr>
-            <a:spLocks noGrp="1"/>
-          </p:cNvSpPr>
-          <p:nvPr>
-            <p:ph type="body" sz="quarter" idx="13"/>
-          </p:nvPr>
-        </p:nvSpPr>
-        <p:spPr/>
-        <p:txBody>
-          <a:bodyPr/>
-          <a:lstStyle/>
-          <a:p>
-            <a:pPr marL="0" indent="0">
-              <a:buNone/>
-            </a:pPr>
-            <a:r>
-              <a:rPr lang="fr-CA" dirty="0"/>
-              <a:t>Lab</a:t>
-            </a:r>
-          </a:p>
-        </p:txBody>
-      </p:sp>
-    </p:spTree>
-    <p:extLst>
-      <p:ext uri="{BB962C8B-B14F-4D97-AF65-F5344CB8AC3E}">
-        <p14:creationId xmlns:p14="http://schemas.microsoft.com/office/powerpoint/2010/main" val="2393681700"/>
-      </p:ext>
-    </p:extLst>
-  </p:cSld>
-  <p:clrMapOvr>
-    <a:masterClrMapping/>
-  </p:clrMapOvr>
-</p:sld>
-</file>
-
 <file path=ppt/slides/slide19.xml><?xml version="1.0" encoding="utf-8"?>
 <p:sld xmlns:a="http://schemas.openxmlformats.org/drawingml/2006/main" xmlns:r="http://schemas.openxmlformats.org/officeDocument/2006/relationships" xmlns:p="http://schemas.openxmlformats.org/presentationml/2006/main">
   <p:cSld>
@@ -9574,47 +9914,69 @@
       </p:grpSpPr>
       <p:sp>
         <p:nvSpPr>
-          <p:cNvPr id="5" name="Title 4"/>
+          <p:cNvPr id="5" name="Slide Number Placeholder 4"/>
           <p:cNvSpPr>
             <a:spLocks noGrp="1"/>
           </p:cNvSpPr>
           <p:nvPr>
-            <p:ph type="title"/>
-          </p:nvPr>
-        </p:nvSpPr>
-        <p:spPr>
-          <a:xfrm>
-            <a:off x="1783850" y="31958"/>
-            <a:ext cx="9506339" cy="709354"/>
-          </a:xfrm>
-        </p:spPr>
+            <p:ph type="sldNum" sz="quarter" idx="12"/>
+            <p:custDataLst>
+              <p:tags r:id="rId1"/>
+            </p:custDataLst>
+          </p:nvPr>
+        </p:nvSpPr>
+        <p:spPr/>
         <p:txBody>
           <a:bodyPr/>
           <a:lstStyle/>
           <a:p>
+            <a:pPr>
+              <a:defRPr/>
+            </a:pPr>
+            <a:fld id="{65EBB3E1-AE01-4DB2-B242-50A0419F339A}" type="slidenum">
+              <a:rPr lang="en-US" smtClean="0"/>
+              <a:pPr>
+                <a:defRPr/>
+              </a:pPr>
+              <a:t>19</a:t>
+            </a:fld>
+            <a:endParaRPr lang="en-US"/>
+          </a:p>
+        </p:txBody>
+      </p:sp>
+      <p:sp>
+        <p:nvSpPr>
+          <p:cNvPr id="11" name="Title 10"/>
+          <p:cNvSpPr>
+            <a:spLocks noGrp="1"/>
+          </p:cNvSpPr>
+          <p:nvPr>
+            <p:ph type="ctrTitle"/>
+          </p:nvPr>
+        </p:nvSpPr>
+        <p:spPr/>
+        <p:txBody>
+          <a:bodyPr/>
+          <a:lstStyle/>
+          <a:p>
             <a:r>
               <a:rPr lang="fr-CA" dirty="0"/>
-              <a:t>Agenda</a:t>
-            </a:r>
-          </a:p>
-        </p:txBody>
-      </p:sp>
-      <p:sp>
-        <p:nvSpPr>
-          <p:cNvPr id="7" name="Text Placeholder 6"/>
+              <a:t>Lab </a:t>
+            </a:r>
+          </a:p>
+        </p:txBody>
+      </p:sp>
+      <p:sp>
+        <p:nvSpPr>
+          <p:cNvPr id="12" name="Subtitle 11"/>
           <p:cNvSpPr>
             <a:spLocks noGrp="1"/>
           </p:cNvSpPr>
           <p:nvPr>
-            <p:ph type="body" sz="quarter" idx="14"/>
-          </p:nvPr>
-        </p:nvSpPr>
-        <p:spPr>
-          <a:xfrm>
-            <a:off x="838200" y="1537413"/>
-            <a:ext cx="10515600" cy="4942900"/>
-          </a:xfrm>
-        </p:spPr>
+            <p:ph type="subTitle" idx="1"/>
+          </p:nvPr>
+        </p:nvSpPr>
+        <p:spPr/>
         <p:txBody>
           <a:bodyPr/>
           <a:lstStyle/>
@@ -9623,180 +9985,31 @@
               <a:buNone/>
             </a:pPr>
             <a:r>
-              <a:rPr lang="fr-CA" sz="1800" dirty="0"/>
-              <a:t>Présentation du sujet d’étude</a:t>
-            </a:r>
-            <a:br>
-              <a:rPr lang="fr-CA" sz="1800" dirty="0"/>
-            </a:br>
-            <a:endParaRPr lang="fr-CA" sz="1800" dirty="0"/>
-          </a:p>
+              <a:rPr lang="fr-CA" dirty="0"/>
+              <a:t>Big Data : HDInsight + Spark</a:t>
+            </a:r>
+          </a:p>
+        </p:txBody>
+      </p:sp>
+      <p:sp>
+        <p:nvSpPr>
+          <p:cNvPr id="13" name="Text Placeholder 12"/>
+          <p:cNvSpPr>
+            <a:spLocks noGrp="1"/>
+          </p:cNvSpPr>
+          <p:nvPr>
+            <p:ph type="body" sz="quarter" idx="13"/>
+          </p:nvPr>
+        </p:nvSpPr>
+        <p:spPr/>
+        <p:txBody>
+          <a:bodyPr/>
+          <a:lstStyle/>
           <a:p>
             <a:pPr marL="0" indent="0">
               <a:buNone/>
             </a:pPr>
             <a:r>
-              <a:rPr lang="fr-CA" sz="1800" dirty="0"/>
-              <a:t>Présentation du Lab</a:t>
-            </a:r>
-          </a:p>
-          <a:p>
-            <a:pPr lvl="2"/>
-            <a:r>
-              <a:rPr lang="fr-CA" sz="1400" dirty="0"/>
-              <a:t>Création du Cluster HDI Spark</a:t>
-            </a:r>
-          </a:p>
-          <a:p>
-            <a:pPr lvl="2"/>
-            <a:r>
-              <a:rPr lang="fr-CA" sz="1400" dirty="0"/>
-              <a:t>Acquisition des données dans Azure Storage</a:t>
-            </a:r>
-          </a:p>
-          <a:p>
-            <a:pPr lvl="2"/>
-            <a:endParaRPr lang="fr-CA" sz="1400" dirty="0"/>
-          </a:p>
-          <a:p>
-            <a:pPr marL="0" indent="0">
-              <a:buNone/>
-            </a:pPr>
-            <a:r>
-              <a:rPr lang="fr-CA" sz="1800" dirty="0"/>
-              <a:t>Visite guidée de Spark sur HDInsight</a:t>
-            </a:r>
-          </a:p>
-          <a:p>
-            <a:pPr lvl="2"/>
-            <a:r>
-              <a:rPr lang="fr-CA" sz="1400" dirty="0"/>
-              <a:t>Création de notebook </a:t>
-            </a:r>
-            <a:r>
-              <a:rPr lang="fr-CA" sz="1400" dirty="0" err="1"/>
-              <a:t>PySpark</a:t>
-            </a:r>
-            <a:r>
-              <a:rPr lang="fr-CA" sz="1400" dirty="0"/>
-              <a:t> dans </a:t>
-            </a:r>
-            <a:r>
-              <a:rPr lang="fr-CA" sz="1400" dirty="0" err="1"/>
-              <a:t>Jupyter</a:t>
-            </a:r>
-            <a:endParaRPr lang="fr-CA" sz="1400" dirty="0"/>
-          </a:p>
-          <a:p>
-            <a:pPr lvl="2"/>
-            <a:r>
-              <a:rPr lang="fr-CA" sz="1400" dirty="0"/>
-              <a:t>Hello, world!</a:t>
-            </a:r>
-            <a:br>
-              <a:rPr lang="fr-CA" sz="1400" dirty="0"/>
-            </a:br>
-            <a:endParaRPr lang="fr-CA" sz="1400" dirty="0"/>
-          </a:p>
-          <a:p>
-            <a:pPr marL="0" indent="0">
-              <a:buNone/>
-            </a:pPr>
-            <a:r>
-              <a:rPr lang="fr-CA" sz="1800" dirty="0"/>
-              <a:t>Analyse de données On Time Performance</a:t>
-            </a:r>
-          </a:p>
-          <a:p>
-            <a:pPr lvl="2"/>
-            <a:r>
-              <a:rPr lang="fr-CA" sz="1400" dirty="0"/>
-              <a:t>Analyse de jeux de données</a:t>
-            </a:r>
-          </a:p>
-          <a:p>
-            <a:pPr lvl="2"/>
-            <a:r>
-              <a:rPr lang="fr-CA" sz="1400" dirty="0"/>
-              <a:t>Projection en SQL et Python</a:t>
-            </a:r>
-          </a:p>
-          <a:p>
-            <a:pPr lvl="2"/>
-            <a:endParaRPr lang="fr-CA" sz="1400" dirty="0"/>
-          </a:p>
-          <a:p>
-            <a:pPr marL="0" indent="0">
-              <a:buNone/>
-            </a:pPr>
-            <a:r>
-              <a:rPr lang="fr-CA" sz="1800" dirty="0"/>
-              <a:t>Visualisation</a:t>
-            </a:r>
-          </a:p>
-          <a:p>
-            <a:pPr lvl="2"/>
-            <a:r>
-              <a:rPr lang="fr-CA" sz="1400" dirty="0"/>
-              <a:t>Intégration de Spark avec Power BI</a:t>
-            </a:r>
-          </a:p>
-          <a:p>
-            <a:pPr lvl="2"/>
-            <a:r>
-              <a:rPr lang="fr-CA" sz="1400" dirty="0"/>
-              <a:t>Réalisation d’un rapport interactif</a:t>
-            </a:r>
-          </a:p>
-          <a:p>
-            <a:pPr lvl="2"/>
-            <a:endParaRPr lang="fr-CA" sz="1400" dirty="0"/>
-          </a:p>
-          <a:p>
-            <a:pPr lvl="2"/>
-            <a:endParaRPr lang="fr-CA" sz="1400" dirty="0"/>
-          </a:p>
-          <a:p>
-            <a:pPr lvl="2"/>
-            <a:endParaRPr lang="fr-CA" sz="1400" dirty="0"/>
-          </a:p>
-          <a:p>
-            <a:pPr lvl="2"/>
-            <a:endParaRPr lang="fr-CA" sz="1400" dirty="0"/>
-          </a:p>
-          <a:p>
-            <a:pPr lvl="2"/>
-            <a:endParaRPr lang="fr-CA" sz="1400" dirty="0"/>
-          </a:p>
-        </p:txBody>
-      </p:sp>
-      <p:sp>
-        <p:nvSpPr>
-          <p:cNvPr id="4" name="Text Placeholder 5">
-            <a:extLst>
-              <a:ext uri="{FF2B5EF4-FFF2-40B4-BE49-F238E27FC236}">
-                <a16:creationId xmlns:a16="http://schemas.microsoft.com/office/drawing/2014/main" id="{5020B9C7-5CD6-4A8A-9B6A-29EE13189CA9}"/>
-              </a:ext>
-            </a:extLst>
-          </p:cNvPr>
-          <p:cNvSpPr>
-            <a:spLocks noGrp="1"/>
-          </p:cNvSpPr>
-          <p:nvPr>
-            <p:ph type="body" sz="quarter" idx="13"/>
-          </p:nvPr>
-        </p:nvSpPr>
-        <p:spPr>
-          <a:xfrm>
-            <a:off x="1823608" y="617552"/>
-            <a:ext cx="9506339" cy="365494"/>
-          </a:xfrm>
-        </p:spPr>
-        <p:txBody>
-          <a:bodyPr/>
-          <a:lstStyle/>
-          <a:p>
-            <a:r>
               <a:rPr lang="fr-CA" dirty="0"/>
               <a:t>Lab</a:t>
             </a:r>
@@ -9806,7 +10019,7 @@
     </p:spTree>
     <p:extLst>
       <p:ext uri="{BB962C8B-B14F-4D97-AF65-F5344CB8AC3E}">
-        <p14:creationId xmlns:p14="http://schemas.microsoft.com/office/powerpoint/2010/main" val="3038936090"/>
+        <p14:creationId xmlns:p14="http://schemas.microsoft.com/office/powerpoint/2010/main" val="2393681700"/>
       </p:ext>
     </p:extLst>
   </p:cSld>
@@ -10264,6 +10477,12 @@
                 <a:latin typeface="Gotham" panose="02000604030000020004" pitchFamily="50" charset="0"/>
               </a:rPr>
             </a:br>
+            <a:r>
+              <a:rPr lang="fr-FR" sz="2000" dirty="0">
+                <a:latin typeface="Gotham" panose="02000604030000020004" pitchFamily="50" charset="0"/>
+              </a:rPr>
+              <a:t/>
+            </a:r>
             <a:br>
               <a:rPr lang="fr-FR" sz="2000" dirty="0">
                 <a:latin typeface="Gotham" panose="02000604030000020004" pitchFamily="50" charset="0"/>
@@ -10560,6 +10779,12 @@
                 <a:latin typeface="Gotham" panose="02000604030000020004" pitchFamily="50" charset="0"/>
               </a:rPr>
             </a:br>
+            <a:r>
+              <a:rPr lang="fr-FR" sz="2000" dirty="0">
+                <a:latin typeface="Gotham" panose="02000604030000020004" pitchFamily="50" charset="0"/>
+              </a:rPr>
+              <a:t/>
+            </a:r>
             <a:br>
               <a:rPr lang="fr-FR" sz="2000" dirty="0">
                 <a:latin typeface="Gotham" panose="02000604030000020004" pitchFamily="50" charset="0"/>
@@ -10847,6 +11072,12 @@
                 <a:latin typeface="Gotham" panose="02000604030000020004" pitchFamily="50" charset="0"/>
               </a:rPr>
             </a:br>
+            <a:r>
+              <a:rPr lang="fr-FR" sz="2000" dirty="0">
+                <a:latin typeface="Gotham" panose="02000604030000020004" pitchFamily="50" charset="0"/>
+              </a:rPr>
+              <a:t/>
+            </a:r>
             <a:br>
               <a:rPr lang="fr-FR" sz="2000" dirty="0">
                 <a:latin typeface="Gotham" panose="02000604030000020004" pitchFamily="50" charset="0"/>
@@ -11378,10 +11609,208 @@
       </p:grpSpPr>
       <p:sp>
         <p:nvSpPr>
-          <p:cNvPr id="5" name="Title 4">
+          <p:cNvPr id="5" name="Title 4"/>
+          <p:cNvSpPr>
+            <a:spLocks noGrp="1"/>
+          </p:cNvSpPr>
+          <p:nvPr>
+            <p:ph type="title"/>
+          </p:nvPr>
+        </p:nvSpPr>
+        <p:spPr>
+          <a:xfrm>
+            <a:off x="1783850" y="31958"/>
+            <a:ext cx="9506339" cy="709354"/>
+          </a:xfrm>
+        </p:spPr>
+        <p:txBody>
+          <a:bodyPr/>
+          <a:lstStyle/>
+          <a:p>
+            <a:r>
+              <a:rPr lang="fr-CA" dirty="0"/>
+              <a:t>Agenda</a:t>
+            </a:r>
+          </a:p>
+        </p:txBody>
+      </p:sp>
+      <p:sp>
+        <p:nvSpPr>
+          <p:cNvPr id="7" name="Text Placeholder 6"/>
+          <p:cNvSpPr>
+            <a:spLocks noGrp="1"/>
+          </p:cNvSpPr>
+          <p:nvPr>
+            <p:ph type="body" sz="quarter" idx="14"/>
+          </p:nvPr>
+        </p:nvSpPr>
+        <p:spPr>
+          <a:xfrm>
+            <a:off x="838200" y="1537413"/>
+            <a:ext cx="10515600" cy="4942900"/>
+          </a:xfrm>
+        </p:spPr>
+        <p:txBody>
+          <a:bodyPr/>
+          <a:lstStyle/>
+          <a:p>
+            <a:pPr marL="0" indent="0">
+              <a:buNone/>
+            </a:pPr>
+            <a:r>
+              <a:rPr lang="fr-CA" sz="1800" dirty="0"/>
+              <a:t>Présentation du sujet d’étude</a:t>
+            </a:r>
+            <a:br>
+              <a:rPr lang="fr-CA" sz="1800" dirty="0"/>
+            </a:br>
+            <a:endParaRPr lang="fr-CA" sz="1800" dirty="0"/>
+          </a:p>
+          <a:p>
+            <a:pPr marL="0" indent="0">
+              <a:buNone/>
+            </a:pPr>
+            <a:r>
+              <a:rPr lang="fr-CA" sz="1800" dirty="0"/>
+              <a:t>Présentation du Lab</a:t>
+            </a:r>
+          </a:p>
+          <a:p>
+            <a:pPr lvl="2"/>
+            <a:r>
+              <a:rPr lang="fr-CA" sz="1400" dirty="0"/>
+              <a:t>Création du Cluster HDI Spark</a:t>
+            </a:r>
+          </a:p>
+          <a:p>
+            <a:pPr lvl="2"/>
+            <a:r>
+              <a:rPr lang="fr-CA" sz="1400" dirty="0"/>
+              <a:t>Acquisition des données dans Azure Storage</a:t>
+            </a:r>
+          </a:p>
+          <a:p>
+            <a:pPr lvl="2"/>
+            <a:endParaRPr lang="fr-CA" sz="1400" dirty="0"/>
+          </a:p>
+          <a:p>
+            <a:pPr marL="0" indent="0">
+              <a:buNone/>
+            </a:pPr>
+            <a:r>
+              <a:rPr lang="fr-CA" sz="1800" dirty="0"/>
+              <a:t>Visite guidée de Spark sur HDInsight</a:t>
+            </a:r>
+          </a:p>
+          <a:p>
+            <a:pPr lvl="2"/>
+            <a:r>
+              <a:rPr lang="fr-CA" sz="1400" dirty="0"/>
+              <a:t>Création de notebook </a:t>
+            </a:r>
+            <a:r>
+              <a:rPr lang="fr-CA" sz="1400" dirty="0" err="1"/>
+              <a:t>PySpark</a:t>
+            </a:r>
+            <a:r>
+              <a:rPr lang="fr-CA" sz="1400" dirty="0"/>
+              <a:t> dans </a:t>
+            </a:r>
+            <a:r>
+              <a:rPr lang="fr-CA" sz="1400" dirty="0" err="1"/>
+              <a:t>Jupyter</a:t>
+            </a:r>
+            <a:endParaRPr lang="fr-CA" sz="1400" dirty="0"/>
+          </a:p>
+          <a:p>
+            <a:pPr lvl="2"/>
+            <a:r>
+              <a:rPr lang="fr-CA" sz="1400" dirty="0"/>
+              <a:t>Hello, world!</a:t>
+            </a:r>
+            <a:br>
+              <a:rPr lang="fr-CA" sz="1400" dirty="0"/>
+            </a:br>
+            <a:endParaRPr lang="fr-CA" sz="1400" dirty="0"/>
+          </a:p>
+          <a:p>
+            <a:pPr marL="0" indent="0">
+              <a:buNone/>
+            </a:pPr>
+            <a:r>
+              <a:rPr lang="fr-CA" sz="1800" dirty="0"/>
+              <a:t>Analyse de données On Time Performance</a:t>
+            </a:r>
+          </a:p>
+          <a:p>
+            <a:pPr lvl="2"/>
+            <a:r>
+              <a:rPr lang="fr-CA" sz="1400" dirty="0"/>
+              <a:t>Analyse de jeux de données</a:t>
+            </a:r>
+          </a:p>
+          <a:p>
+            <a:pPr lvl="2"/>
+            <a:r>
+              <a:rPr lang="fr-CA" sz="1400" dirty="0"/>
+              <a:t>Projection en SQL et Python</a:t>
+            </a:r>
+          </a:p>
+          <a:p>
+            <a:pPr lvl="2"/>
+            <a:endParaRPr lang="fr-CA" sz="1400" dirty="0"/>
+          </a:p>
+          <a:p>
+            <a:pPr marL="0" indent="0">
+              <a:buNone/>
+            </a:pPr>
+            <a:r>
+              <a:rPr lang="fr-CA" sz="1800" dirty="0"/>
+              <a:t>Visualisation</a:t>
+            </a:r>
+          </a:p>
+          <a:p>
+            <a:pPr lvl="2"/>
+            <a:r>
+              <a:rPr lang="fr-CA" sz="1400" dirty="0"/>
+              <a:t>Intégration de Spark avec Power BI</a:t>
+            </a:r>
+          </a:p>
+          <a:p>
+            <a:pPr lvl="2"/>
+            <a:r>
+              <a:rPr lang="fr-CA" sz="1400" dirty="0"/>
+              <a:t>Réalisation d’un rapport interactif</a:t>
+            </a:r>
+          </a:p>
+          <a:p>
+            <a:pPr lvl="2"/>
+            <a:endParaRPr lang="fr-CA" sz="1400" dirty="0"/>
+          </a:p>
+          <a:p>
+            <a:pPr lvl="2"/>
+            <a:endParaRPr lang="fr-CA" sz="1400" dirty="0"/>
+          </a:p>
+          <a:p>
+            <a:pPr lvl="2"/>
+            <a:endParaRPr lang="fr-CA" sz="1400" dirty="0"/>
+          </a:p>
+          <a:p>
+            <a:pPr lvl="2"/>
+            <a:endParaRPr lang="fr-CA" sz="1400" dirty="0"/>
+          </a:p>
+          <a:p>
+            <a:pPr lvl="2"/>
+            <a:endParaRPr lang="fr-CA" sz="1400" dirty="0"/>
+          </a:p>
+        </p:txBody>
+      </p:sp>
+      <p:sp>
+        <p:nvSpPr>
+          <p:cNvPr id="4" name="Text Placeholder 5">
             <a:extLst>
               <a:ext uri="{FF2B5EF4-FFF2-40B4-BE49-F238E27FC236}">
-                <a16:creationId xmlns:a16="http://schemas.microsoft.com/office/drawing/2014/main" id="{7ED93FAE-071F-4361-BD2E-81F5958C3E83}"/>
+                <a16:creationId xmlns:a16="http://schemas.microsoft.com/office/drawing/2014/main" xmlns="" id="{5020B9C7-5CD6-4A8A-9B6A-29EE13189CA9}"/>
               </a:ext>
             </a:extLst>
           </p:cNvPr>
@@ -11389,193 +11818,30 @@
             <a:spLocks noGrp="1"/>
           </p:cNvSpPr>
           <p:nvPr>
-            <p:ph type="title"/>
-          </p:nvPr>
-        </p:nvSpPr>
-        <p:spPr/>
+            <p:ph type="body" sz="quarter" idx="13"/>
+          </p:nvPr>
+        </p:nvSpPr>
+        <p:spPr>
+          <a:xfrm>
+            <a:off x="1823608" y="617552"/>
+            <a:ext cx="9506339" cy="365494"/>
+          </a:xfrm>
+        </p:spPr>
         <p:txBody>
           <a:bodyPr/>
           <a:lstStyle/>
           <a:p>
             <a:r>
               <a:rPr lang="fr-CA" dirty="0"/>
-              <a:t>Sujet d’étude</a:t>
-            </a:r>
-          </a:p>
-        </p:txBody>
-      </p:sp>
-      <p:sp>
-        <p:nvSpPr>
-          <p:cNvPr id="6" name="Text Placeholder 5">
-            <a:extLst>
-              <a:ext uri="{FF2B5EF4-FFF2-40B4-BE49-F238E27FC236}">
-                <a16:creationId xmlns:a16="http://schemas.microsoft.com/office/drawing/2014/main" id="{5020B9C7-5CD6-4A8A-9B6A-29EE13189CA9}"/>
-              </a:ext>
-            </a:extLst>
-          </p:cNvPr>
-          <p:cNvSpPr>
-            <a:spLocks noGrp="1"/>
-          </p:cNvSpPr>
-          <p:nvPr>
-            <p:ph type="body" sz="quarter" idx="13"/>
-          </p:nvPr>
-        </p:nvSpPr>
-        <p:spPr/>
-        <p:txBody>
-          <a:bodyPr/>
-          <a:lstStyle/>
-          <a:p>
-            <a:r>
-              <a:rPr lang="fr-CA" dirty="0"/>
-              <a:t>Données de Vol</a:t>
-            </a:r>
-          </a:p>
-        </p:txBody>
-      </p:sp>
-      <p:sp>
-        <p:nvSpPr>
-          <p:cNvPr id="7" name="Text Placeholder 6">
-            <a:extLst>
-              <a:ext uri="{FF2B5EF4-FFF2-40B4-BE49-F238E27FC236}">
-                <a16:creationId xmlns:a16="http://schemas.microsoft.com/office/drawing/2014/main" id="{759131B0-E0AE-4ABC-BF47-8C413A6F7E1B}"/>
-              </a:ext>
-            </a:extLst>
-          </p:cNvPr>
-          <p:cNvSpPr>
-            <a:spLocks noGrp="1"/>
-          </p:cNvSpPr>
-          <p:nvPr>
-            <p:ph type="body" sz="quarter" idx="14"/>
-          </p:nvPr>
-        </p:nvSpPr>
-        <p:spPr/>
-        <p:txBody>
-          <a:bodyPr/>
-          <a:lstStyle/>
-          <a:p>
-            <a:pPr marL="0" indent="0">
-              <a:buNone/>
-            </a:pPr>
-            <a:r>
-              <a:rPr lang="fr-CA" dirty="0"/>
-              <a:t>Données de ponctualité des transports aériens aux États-Unis</a:t>
-            </a:r>
-            <a:br>
-              <a:rPr lang="fr-CA" dirty="0"/>
-            </a:br>
-            <a:endParaRPr lang="fr-CA" dirty="0"/>
-          </a:p>
-          <a:p>
-            <a:pPr lvl="1"/>
-            <a:r>
-              <a:rPr lang="fr-CA" dirty="0"/>
-              <a:t>Bureau of Transportation </a:t>
-            </a:r>
-            <a:r>
-              <a:rPr lang="fr-CA" dirty="0" err="1"/>
-              <a:t>Statistics</a:t>
-            </a:r>
-            <a:endParaRPr lang="fr-CA" dirty="0"/>
-          </a:p>
-          <a:p>
-            <a:pPr lvl="2"/>
-            <a:r>
-              <a:rPr lang="fr-CA" dirty="0"/>
-              <a:t>On-Time </a:t>
-            </a:r>
-            <a:r>
-              <a:rPr lang="fr-CA" dirty="0" err="1"/>
-              <a:t>Perfomance</a:t>
-            </a:r>
-            <a:r>
-              <a:rPr lang="fr-CA" dirty="0"/>
-              <a:t> (1252) (</a:t>
-            </a:r>
-            <a:r>
-              <a:rPr lang="fr-CA" dirty="0">
-                <a:hlinkClick r:id="rId2"/>
-              </a:rPr>
-              <a:t>https://www.transtats.bts.gov/DL_SelectFields.asp?Table_ID=236</a:t>
-            </a:r>
-            <a:r>
-              <a:rPr lang="fr-CA" dirty="0"/>
-              <a:t>)</a:t>
-            </a:r>
-          </a:p>
-          <a:p>
-            <a:pPr lvl="2"/>
-            <a:r>
-              <a:rPr lang="fr-CA" dirty="0"/>
-              <a:t>Référentiel des codes annulations </a:t>
-            </a:r>
-          </a:p>
-          <a:p>
-            <a:pPr marL="914400" lvl="2" indent="0">
-              <a:buNone/>
-            </a:pPr>
-            <a:endParaRPr lang="fr-CA" dirty="0"/>
-          </a:p>
-          <a:p>
-            <a:pPr marL="0" indent="0">
-              <a:buNone/>
-            </a:pPr>
-            <a:r>
-              <a:rPr lang="fr-CA" dirty="0"/>
-              <a:t>Données ouvertes des aéroports et lignes aériennes</a:t>
-            </a:r>
-            <a:br>
-              <a:rPr lang="fr-CA" dirty="0"/>
-            </a:br>
-            <a:endParaRPr lang="fr-CA" dirty="0"/>
-          </a:p>
-          <a:p>
-            <a:pPr lvl="1"/>
-            <a:r>
-              <a:rPr lang="fr-CA" dirty="0"/>
-              <a:t>OpenFlights.org (</a:t>
-            </a:r>
-            <a:r>
-              <a:rPr lang="fr-CA" dirty="0">
-                <a:hlinkClick r:id="rId3"/>
-              </a:rPr>
-              <a:t>https://openflights.org/data.html</a:t>
-            </a:r>
-            <a:r>
-              <a:rPr lang="fr-CA" dirty="0"/>
-              <a:t>)</a:t>
-            </a:r>
-          </a:p>
-          <a:p>
-            <a:pPr lvl="2"/>
-            <a:r>
-              <a:rPr lang="fr-CA" dirty="0"/>
-              <a:t>Référentiel Aéroport  (Avertissement UTF-8 et anomalie </a:t>
-            </a:r>
-            <a:r>
-              <a:rPr lang="fr-CA" dirty="0" err="1"/>
-              <a:t>echapement</a:t>
-            </a:r>
-            <a:r>
-              <a:rPr lang="fr-CA" dirty="0"/>
-              <a:t> : \’’ )</a:t>
-            </a:r>
-          </a:p>
-          <a:p>
-            <a:pPr lvl="2"/>
-            <a:r>
-              <a:rPr lang="fr-CA" dirty="0"/>
-              <a:t>Référentiel Routes (ISO 8859-1)</a:t>
-            </a:r>
-          </a:p>
-          <a:p>
-            <a:endParaRPr lang="fr-CA" dirty="0"/>
+              <a:t>Lab</a:t>
+            </a:r>
           </a:p>
         </p:txBody>
       </p:sp>
     </p:spTree>
     <p:extLst>
       <p:ext uri="{BB962C8B-B14F-4D97-AF65-F5344CB8AC3E}">
-        <p14:creationId xmlns:p14="http://schemas.microsoft.com/office/powerpoint/2010/main" val="916946377"/>
+        <p14:creationId xmlns:p14="http://schemas.microsoft.com/office/powerpoint/2010/main" val="3038936090"/>
       </p:ext>
     </p:extLst>
   </p:cSld>
@@ -11607,7 +11873,7 @@
           <p:cNvPr id="5" name="Title 4">
             <a:extLst>
               <a:ext uri="{FF2B5EF4-FFF2-40B4-BE49-F238E27FC236}">
-                <a16:creationId xmlns:a16="http://schemas.microsoft.com/office/drawing/2014/main" id="{0A1DF7ED-5330-4FFC-9223-2650D38E6384}"/>
+                <a16:creationId xmlns:a16="http://schemas.microsoft.com/office/drawing/2014/main" xmlns="" id="{7ED93FAE-071F-4361-BD2E-81F5958C3E83}"/>
               </a:ext>
             </a:extLst>
           </p:cNvPr>
@@ -11635,7 +11901,7 @@
           <p:cNvPr id="6" name="Text Placeholder 5">
             <a:extLst>
               <a:ext uri="{FF2B5EF4-FFF2-40B4-BE49-F238E27FC236}">
-                <a16:creationId xmlns:a16="http://schemas.microsoft.com/office/drawing/2014/main" id="{31FAAC19-B5B0-4500-90F7-DBC85F2B3B52}"/>
+                <a16:creationId xmlns:a16="http://schemas.microsoft.com/office/drawing/2014/main" xmlns="" id="{5020B9C7-5CD6-4A8A-9B6A-29EE13189CA9}"/>
               </a:ext>
             </a:extLst>
           </p:cNvPr>
@@ -11653,7 +11919,7 @@
           <a:p>
             <a:r>
               <a:rPr lang="fr-CA" dirty="0"/>
-              <a:t>Jeux de données</a:t>
+              <a:t>Données de Vol</a:t>
             </a:r>
           </a:p>
         </p:txBody>
@@ -11663,7 +11929,7 @@
           <p:cNvPr id="7" name="Text Placeholder 6">
             <a:extLst>
               <a:ext uri="{FF2B5EF4-FFF2-40B4-BE49-F238E27FC236}">
-                <a16:creationId xmlns:a16="http://schemas.microsoft.com/office/drawing/2014/main" id="{2CAAFFD0-886E-47F3-81F6-DF0D5E305FBF}"/>
+                <a16:creationId xmlns:a16="http://schemas.microsoft.com/office/drawing/2014/main" xmlns="" id="{759131B0-E0AE-4ABC-BF47-8C413A6F7E1B}"/>
               </a:ext>
             </a:extLst>
           </p:cNvPr>
@@ -11674,12 +11940,7 @@
             <p:ph type="body" sz="quarter" idx="14"/>
           </p:nvPr>
         </p:nvSpPr>
-        <p:spPr>
-          <a:xfrm>
-            <a:off x="838200" y="1274222"/>
-            <a:ext cx="10515600" cy="5447763"/>
-          </a:xfrm>
-        </p:spPr>
+        <p:spPr/>
         <p:txBody>
           <a:bodyPr/>
           <a:lstStyle/>
@@ -11688,140 +11949,125 @@
               <a:buNone/>
             </a:pPr>
             <a:r>
-              <a:rPr lang="fr-CA" sz="2000" dirty="0"/>
-              <a:t>Téléchargement</a:t>
-            </a:r>
+              <a:rPr lang="fr-CA" dirty="0"/>
+              <a:t>Données de ponctualité des transports aériens aux États-Unis</a:t>
+            </a:r>
+            <a:br>
+              <a:rPr lang="fr-CA" dirty="0"/>
+            </a:br>
+            <a:endParaRPr lang="fr-CA" dirty="0"/>
           </a:p>
           <a:p>
             <a:pPr lvl="1"/>
             <a:r>
-              <a:rPr lang="fr-CA" sz="1800" dirty="0">
-                <a:hlinkClick r:id="rId3"/>
+              <a:rPr lang="fr-CA" dirty="0"/>
+              <a:t>Bureau of Transportation </a:t>
+            </a:r>
+            <a:r>
+              <a:rPr lang="fr-CA" dirty="0" err="1"/>
+              <a:t>Statistics</a:t>
+            </a:r>
+            <a:endParaRPr lang="fr-CA" dirty="0"/>
+          </a:p>
+          <a:p>
+            <a:pPr lvl="2"/>
+            <a:r>
+              <a:rPr lang="fr-CA" dirty="0"/>
+              <a:t>On-Time </a:t>
+            </a:r>
+            <a:r>
+              <a:rPr lang="fr-CA" dirty="0" err="1"/>
+              <a:t>Perfomance</a:t>
+            </a:r>
+            <a:r>
+              <a:rPr lang="fr-CA" dirty="0"/>
+              <a:t> (1252) (</a:t>
+            </a:r>
+            <a:r>
+              <a:rPr lang="fr-CA" dirty="0">
+                <a:hlinkClick r:id="rId2"/>
               </a:rPr>
-              <a:t>https://1drv.ms/u/s!As5vLU25z7A1mZpYveLx2I7iKGjaOA</a:t>
-            </a:r>
-            <a:endParaRPr lang="fr-CA" sz="1800" dirty="0"/>
+              <a:t>https://www.transtats.bts.gov/DL_SelectFields.asp?Table_ID=236</a:t>
+            </a:r>
+            <a:r>
+              <a:rPr lang="fr-CA" dirty="0"/>
+              <a:t>)</a:t>
+            </a:r>
           </a:p>
           <a:p>
             <a:pPr lvl="2"/>
             <a:r>
-              <a:rPr lang="fr-CA" sz="1600" dirty="0"/>
-              <a:t>8,6 Go</a:t>
-            </a:r>
-          </a:p>
-          <a:p>
-            <a:pPr lvl="2"/>
-            <a:r>
-              <a:rPr lang="fr-CA" sz="1600" dirty="0"/>
-              <a:t>2014 à 2017</a:t>
-            </a:r>
+              <a:rPr lang="fr-CA" dirty="0"/>
+              <a:t>Référentiel des codes annulations </a:t>
+            </a:r>
+          </a:p>
+          <a:p>
+            <a:pPr marL="914400" lvl="2" indent="0">
+              <a:buNone/>
+            </a:pPr>
+            <a:endParaRPr lang="fr-CA" dirty="0"/>
           </a:p>
           <a:p>
             <a:pPr marL="0" indent="0">
               <a:buNone/>
             </a:pPr>
             <a:r>
-              <a:rPr lang="fr-CA" sz="2000" dirty="0"/>
-              <a:t>Arborescence des données</a:t>
-            </a:r>
+              <a:rPr lang="fr-CA" dirty="0"/>
+              <a:t>Données ouvertes des aéroports et lignes aériennes</a:t>
+            </a:r>
+            <a:br>
+              <a:rPr lang="fr-CA" dirty="0"/>
+            </a:br>
+            <a:endParaRPr lang="fr-CA" dirty="0"/>
           </a:p>
           <a:p>
             <a:pPr lvl="1"/>
             <a:r>
-              <a:rPr lang="fr-CA" sz="1800" dirty="0"/>
-              <a:t>Flight</a:t>
+              <a:rPr lang="fr-CA" dirty="0"/>
+              <a:t>OpenFlights.org (</a:t>
+            </a:r>
+            <a:r>
+              <a:rPr lang="fr-CA" dirty="0">
+                <a:hlinkClick r:id="rId3"/>
+              </a:rPr>
+              <a:t>https://openflights.org/data.html</a:t>
+            </a:r>
+            <a:r>
+              <a:rPr lang="fr-CA" dirty="0"/>
+              <a:t>)</a:t>
             </a:r>
           </a:p>
           <a:p>
             <a:pPr lvl="2"/>
             <a:r>
-              <a:rPr lang="fr-CA" sz="1600" dirty="0"/>
-              <a:t>2014</a:t>
-            </a:r>
-          </a:p>
-          <a:p>
-            <a:pPr lvl="3"/>
-            <a:r>
-              <a:rPr lang="en-CA" sz="1400" dirty="0"/>
-              <a:t>On_Time_On_Time_Performance_2014_1.csv</a:t>
-            </a:r>
-          </a:p>
-          <a:p>
-            <a:pPr lvl="3"/>
-            <a:r>
-              <a:rPr lang="en-CA" sz="1400" dirty="0"/>
-              <a:t>On_Time_On_Time_Performance_2014_2.csv</a:t>
-            </a:r>
-          </a:p>
-          <a:p>
-            <a:pPr lvl="3"/>
-            <a:r>
-              <a:rPr lang="fr-CA" sz="1400" dirty="0"/>
-              <a:t>…</a:t>
+              <a:rPr lang="fr-CA" dirty="0"/>
+              <a:t>Référentiel Aéroport  (Avertissement UTF-8 et anomalie </a:t>
+            </a:r>
+            <a:r>
+              <a:rPr lang="fr-CA" dirty="0" err="1"/>
+              <a:t>echapement</a:t>
+            </a:r>
+            <a:r>
+              <a:rPr lang="fr-CA" dirty="0"/>
+              <a:t> : \’’ )</a:t>
             </a:r>
           </a:p>
           <a:p>
             <a:pPr lvl="2"/>
             <a:r>
-              <a:rPr lang="fr-CA" sz="1600" dirty="0"/>
-              <a:t>2015</a:t>
-            </a:r>
-          </a:p>
-          <a:p>
-            <a:pPr lvl="2"/>
-            <a:r>
-              <a:rPr lang="fr-CA" sz="1600" dirty="0"/>
-              <a:t>2016</a:t>
-            </a:r>
-          </a:p>
-          <a:p>
-            <a:pPr lvl="2"/>
-            <a:r>
-              <a:rPr lang="fr-CA" sz="1600" dirty="0"/>
-              <a:t>2017</a:t>
-            </a:r>
-          </a:p>
-          <a:p>
-            <a:pPr lvl="1"/>
-            <a:r>
-              <a:rPr lang="fr-CA" sz="1800" dirty="0" err="1"/>
-              <a:t>References</a:t>
-            </a:r>
-            <a:endParaRPr lang="fr-CA" sz="1800" dirty="0"/>
-          </a:p>
-          <a:p>
-            <a:pPr lvl="2"/>
-            <a:r>
-              <a:rPr lang="fr-CA" sz="1600" dirty="0"/>
-              <a:t>Airports.csv</a:t>
-            </a:r>
-          </a:p>
-          <a:p>
-            <a:pPr lvl="2"/>
-            <a:r>
-              <a:rPr lang="fr-CA" sz="1600" dirty="0"/>
-              <a:t>RefAnnulation.csv</a:t>
-            </a:r>
-          </a:p>
-          <a:p>
-            <a:pPr lvl="2"/>
-            <a:r>
-              <a:rPr lang="fr-CA" sz="1600" dirty="0"/>
-              <a:t>Routes.csv </a:t>
-            </a:r>
-          </a:p>
-          <a:p>
-            <a:pPr marL="914400" lvl="2" indent="0">
-              <a:buNone/>
-            </a:pPr>
-            <a:endParaRPr lang="fr-CA" sz="1600" dirty="0"/>
+              <a:rPr lang="fr-CA" dirty="0"/>
+              <a:t>Référentiel Routes (ISO 8859-1)</a:t>
+            </a:r>
+          </a:p>
+          <a:p>
+            <a:endParaRPr lang="fr-CA" dirty="0"/>
           </a:p>
         </p:txBody>
       </p:sp>
     </p:spTree>
     <p:extLst>
       <p:ext uri="{BB962C8B-B14F-4D97-AF65-F5344CB8AC3E}">
-        <p14:creationId xmlns:p14="http://schemas.microsoft.com/office/powerpoint/2010/main" val="2593282194"/>
+        <p14:creationId xmlns:p14="http://schemas.microsoft.com/office/powerpoint/2010/main" val="916946377"/>
       </p:ext>
     </p:extLst>
   </p:cSld>
@@ -11853,7 +12099,7 @@
           <p:cNvPr id="5" name="Title 4">
             <a:extLst>
               <a:ext uri="{FF2B5EF4-FFF2-40B4-BE49-F238E27FC236}">
-                <a16:creationId xmlns:a16="http://schemas.microsoft.com/office/drawing/2014/main" id="{0A1DF7ED-5330-4FFC-9223-2650D38E6384}"/>
+                <a16:creationId xmlns:a16="http://schemas.microsoft.com/office/drawing/2014/main" xmlns="" id="{0A1DF7ED-5330-4FFC-9223-2650D38E6384}"/>
               </a:ext>
             </a:extLst>
           </p:cNvPr>
@@ -11871,13 +12117,8 @@
           <a:p>
             <a:r>
               <a:rPr lang="fr-CA" dirty="0"/>
-              <a:t>Téléchargement du </a:t>
-            </a:r>
-            <a:r>
-              <a:rPr lang="fr-CA" dirty="0" err="1"/>
-              <a:t>Lab</a:t>
-            </a:r>
-            <a:endParaRPr lang="fr-CA" dirty="0"/>
+              <a:t>Sujet d’étude</a:t>
+            </a:r>
           </a:p>
         </p:txBody>
       </p:sp>
@@ -11886,7 +12127,7 @@
           <p:cNvPr id="6" name="Text Placeholder 5">
             <a:extLst>
               <a:ext uri="{FF2B5EF4-FFF2-40B4-BE49-F238E27FC236}">
-                <a16:creationId xmlns:a16="http://schemas.microsoft.com/office/drawing/2014/main" id="{31FAAC19-B5B0-4500-90F7-DBC85F2B3B52}"/>
+                <a16:creationId xmlns:a16="http://schemas.microsoft.com/office/drawing/2014/main" xmlns="" id="{31FAAC19-B5B0-4500-90F7-DBC85F2B3B52}"/>
               </a:ext>
             </a:extLst>
           </p:cNvPr>
@@ -11904,7 +12145,7 @@
           <a:p>
             <a:r>
               <a:rPr lang="fr-CA" dirty="0"/>
-              <a:t>Microsoft Azure</a:t>
+              <a:t>Jeux de données</a:t>
             </a:r>
           </a:p>
         </p:txBody>
@@ -11914,7 +12155,258 @@
           <p:cNvPr id="7" name="Text Placeholder 6">
             <a:extLst>
               <a:ext uri="{FF2B5EF4-FFF2-40B4-BE49-F238E27FC236}">
-                <a16:creationId xmlns:a16="http://schemas.microsoft.com/office/drawing/2014/main" id="{2CAAFFD0-886E-47F3-81F6-DF0D5E305FBF}"/>
+                <a16:creationId xmlns:a16="http://schemas.microsoft.com/office/drawing/2014/main" xmlns="" id="{2CAAFFD0-886E-47F3-81F6-DF0D5E305FBF}"/>
+              </a:ext>
+            </a:extLst>
+          </p:cNvPr>
+          <p:cNvSpPr>
+            <a:spLocks noGrp="1"/>
+          </p:cNvSpPr>
+          <p:nvPr>
+            <p:ph type="body" sz="quarter" idx="14"/>
+          </p:nvPr>
+        </p:nvSpPr>
+        <p:spPr>
+          <a:xfrm>
+            <a:off x="838200" y="1274222"/>
+            <a:ext cx="10515600" cy="5447763"/>
+          </a:xfrm>
+        </p:spPr>
+        <p:txBody>
+          <a:bodyPr/>
+          <a:lstStyle/>
+          <a:p>
+            <a:pPr marL="0" indent="0">
+              <a:buNone/>
+            </a:pPr>
+            <a:r>
+              <a:rPr lang="fr-CA" sz="2000" dirty="0"/>
+              <a:t>Téléchargement</a:t>
+            </a:r>
+          </a:p>
+          <a:p>
+            <a:pPr lvl="1"/>
+            <a:r>
+              <a:rPr lang="fr-CA" sz="1800" dirty="0">
+                <a:hlinkClick r:id="rId3"/>
+              </a:rPr>
+              <a:t>https://1drv.ms/u/s!As5vLU25z7A1mZpYveLx2I7iKGjaOA</a:t>
+            </a:r>
+            <a:endParaRPr lang="fr-CA" sz="1800" dirty="0"/>
+          </a:p>
+          <a:p>
+            <a:pPr lvl="2"/>
+            <a:r>
+              <a:rPr lang="fr-CA" sz="1600" dirty="0"/>
+              <a:t>8,6 Go</a:t>
+            </a:r>
+          </a:p>
+          <a:p>
+            <a:pPr lvl="2"/>
+            <a:r>
+              <a:rPr lang="fr-CA" sz="1600" dirty="0"/>
+              <a:t>2014 à 2017</a:t>
+            </a:r>
+          </a:p>
+          <a:p>
+            <a:pPr marL="0" indent="0">
+              <a:buNone/>
+            </a:pPr>
+            <a:r>
+              <a:rPr lang="fr-CA" sz="2000" dirty="0"/>
+              <a:t>Arborescence des données</a:t>
+            </a:r>
+          </a:p>
+          <a:p>
+            <a:pPr lvl="1"/>
+            <a:r>
+              <a:rPr lang="fr-CA" sz="1800" dirty="0"/>
+              <a:t>Flight</a:t>
+            </a:r>
+          </a:p>
+          <a:p>
+            <a:pPr lvl="2"/>
+            <a:r>
+              <a:rPr lang="fr-CA" sz="1600" dirty="0"/>
+              <a:t>2014</a:t>
+            </a:r>
+          </a:p>
+          <a:p>
+            <a:pPr lvl="3"/>
+            <a:r>
+              <a:rPr lang="en-CA" sz="1400" dirty="0"/>
+              <a:t>On_Time_On_Time_Performance_2014_1.csv</a:t>
+            </a:r>
+          </a:p>
+          <a:p>
+            <a:pPr lvl="3"/>
+            <a:r>
+              <a:rPr lang="en-CA" sz="1400" dirty="0"/>
+              <a:t>On_Time_On_Time_Performance_2014_2.csv</a:t>
+            </a:r>
+          </a:p>
+          <a:p>
+            <a:pPr lvl="3"/>
+            <a:r>
+              <a:rPr lang="fr-CA" sz="1400" dirty="0"/>
+              <a:t>…</a:t>
+            </a:r>
+          </a:p>
+          <a:p>
+            <a:pPr lvl="2"/>
+            <a:r>
+              <a:rPr lang="fr-CA" sz="1600" dirty="0"/>
+              <a:t>2015</a:t>
+            </a:r>
+          </a:p>
+          <a:p>
+            <a:pPr lvl="2"/>
+            <a:r>
+              <a:rPr lang="fr-CA" sz="1600" dirty="0"/>
+              <a:t>2016</a:t>
+            </a:r>
+          </a:p>
+          <a:p>
+            <a:pPr lvl="2"/>
+            <a:r>
+              <a:rPr lang="fr-CA" sz="1600" dirty="0"/>
+              <a:t>2017</a:t>
+            </a:r>
+          </a:p>
+          <a:p>
+            <a:pPr lvl="1"/>
+            <a:r>
+              <a:rPr lang="fr-CA" sz="1800" dirty="0" err="1"/>
+              <a:t>References</a:t>
+            </a:r>
+            <a:endParaRPr lang="fr-CA" sz="1800" dirty="0"/>
+          </a:p>
+          <a:p>
+            <a:pPr lvl="2"/>
+            <a:r>
+              <a:rPr lang="fr-CA" sz="1600" dirty="0"/>
+              <a:t>Airports.csv</a:t>
+            </a:r>
+          </a:p>
+          <a:p>
+            <a:pPr lvl="2"/>
+            <a:r>
+              <a:rPr lang="fr-CA" sz="1600" dirty="0"/>
+              <a:t>RefAnnulation.csv</a:t>
+            </a:r>
+          </a:p>
+          <a:p>
+            <a:pPr lvl="2"/>
+            <a:r>
+              <a:rPr lang="fr-CA" sz="1600" dirty="0"/>
+              <a:t>Routes.csv </a:t>
+            </a:r>
+          </a:p>
+          <a:p>
+            <a:pPr marL="914400" lvl="2" indent="0">
+              <a:buNone/>
+            </a:pPr>
+            <a:endParaRPr lang="fr-CA" sz="1600" dirty="0"/>
+          </a:p>
+        </p:txBody>
+      </p:sp>
+    </p:spTree>
+    <p:extLst>
+      <p:ext uri="{BB962C8B-B14F-4D97-AF65-F5344CB8AC3E}">
+        <p14:creationId xmlns:p14="http://schemas.microsoft.com/office/powerpoint/2010/main" val="2593282194"/>
+      </p:ext>
+    </p:extLst>
+  </p:cSld>
+  <p:clrMapOvr>
+    <a:masterClrMapping/>
+  </p:clrMapOvr>
+</p:sld>
+</file>
+
+<file path=ppt/slides/slide23.xml><?xml version="1.0" encoding="utf-8"?>
+<p:sld xmlns:a="http://schemas.openxmlformats.org/drawingml/2006/main" xmlns:r="http://schemas.openxmlformats.org/officeDocument/2006/relationships" xmlns:p="http://schemas.openxmlformats.org/presentationml/2006/main">
+  <p:cSld>
+    <p:spTree>
+      <p:nvGrpSpPr>
+        <p:cNvPr id="1" name=""/>
+        <p:cNvGrpSpPr/>
+        <p:nvPr/>
+      </p:nvGrpSpPr>
+      <p:grpSpPr>
+        <a:xfrm>
+          <a:off x="0" y="0"/>
+          <a:ext cx="0" cy="0"/>
+          <a:chOff x="0" y="0"/>
+          <a:chExt cx="0" cy="0"/>
+        </a:xfrm>
+      </p:grpSpPr>
+      <p:sp>
+        <p:nvSpPr>
+          <p:cNvPr id="5" name="Title 4">
+            <a:extLst>
+              <a:ext uri="{FF2B5EF4-FFF2-40B4-BE49-F238E27FC236}">
+                <a16:creationId xmlns:a16="http://schemas.microsoft.com/office/drawing/2014/main" xmlns="" id="{0A1DF7ED-5330-4FFC-9223-2650D38E6384}"/>
+              </a:ext>
+            </a:extLst>
+          </p:cNvPr>
+          <p:cNvSpPr>
+            <a:spLocks noGrp="1"/>
+          </p:cNvSpPr>
+          <p:nvPr>
+            <p:ph type="title"/>
+          </p:nvPr>
+        </p:nvSpPr>
+        <p:spPr/>
+        <p:txBody>
+          <a:bodyPr/>
+          <a:lstStyle/>
+          <a:p>
+            <a:r>
+              <a:rPr lang="fr-CA" dirty="0"/>
+              <a:t>Téléchargement du </a:t>
+            </a:r>
+            <a:r>
+              <a:rPr lang="fr-CA" dirty="0" err="1"/>
+              <a:t>Lab</a:t>
+            </a:r>
+            <a:endParaRPr lang="fr-CA" dirty="0"/>
+          </a:p>
+        </p:txBody>
+      </p:sp>
+      <p:sp>
+        <p:nvSpPr>
+          <p:cNvPr id="6" name="Text Placeholder 5">
+            <a:extLst>
+              <a:ext uri="{FF2B5EF4-FFF2-40B4-BE49-F238E27FC236}">
+                <a16:creationId xmlns:a16="http://schemas.microsoft.com/office/drawing/2014/main" xmlns="" id="{31FAAC19-B5B0-4500-90F7-DBC85F2B3B52}"/>
+              </a:ext>
+            </a:extLst>
+          </p:cNvPr>
+          <p:cNvSpPr>
+            <a:spLocks noGrp="1"/>
+          </p:cNvSpPr>
+          <p:nvPr>
+            <p:ph type="body" sz="quarter" idx="13"/>
+          </p:nvPr>
+        </p:nvSpPr>
+        <p:spPr/>
+        <p:txBody>
+          <a:bodyPr/>
+          <a:lstStyle/>
+          <a:p>
+            <a:r>
+              <a:rPr lang="fr-CA" dirty="0"/>
+              <a:t>Microsoft Azure</a:t>
+            </a:r>
+          </a:p>
+        </p:txBody>
+      </p:sp>
+      <p:sp>
+        <p:nvSpPr>
+          <p:cNvPr id="7" name="Text Placeholder 6">
+            <a:extLst>
+              <a:ext uri="{FF2B5EF4-FFF2-40B4-BE49-F238E27FC236}">
+                <a16:creationId xmlns:a16="http://schemas.microsoft.com/office/drawing/2014/main" xmlns="" id="{2CAAFFD0-886E-47F3-81F6-DF0D5E305FBF}"/>
               </a:ext>
             </a:extLst>
           </p:cNvPr>
@@ -12002,7 +12494,7 @@
           <p:cNvPr id="2" name="Picture 1">
             <a:extLst>
               <a:ext uri="{FF2B5EF4-FFF2-40B4-BE49-F238E27FC236}">
-                <a16:creationId xmlns:a16="http://schemas.microsoft.com/office/drawing/2014/main" id="{1819B7A2-A2FD-49E2-A1F7-7F6A1104935D}"/>
+                <a16:creationId xmlns:a16="http://schemas.microsoft.com/office/drawing/2014/main" xmlns="" id="{1819B7A2-A2FD-49E2-A1F7-7F6A1104935D}"/>
               </a:ext>
             </a:extLst>
           </p:cNvPr>
@@ -12037,250 +12529,13 @@
   <p:clrMapOvr>
     <a:masterClrMapping/>
   </p:clrMapOvr>
-</p:sld>
-</file>
-
-<file path=ppt/slides/slide23.xml><?xml version="1.0" encoding="utf-8"?>
-<p:sld xmlns:a="http://schemas.openxmlformats.org/drawingml/2006/main" xmlns:r="http://schemas.openxmlformats.org/officeDocument/2006/relationships" xmlns:p="http://schemas.openxmlformats.org/presentationml/2006/main">
-  <p:cSld>
-    <p:spTree>
-      <p:nvGrpSpPr>
-        <p:cNvPr id="1" name=""/>
-        <p:cNvGrpSpPr/>
-        <p:nvPr/>
-      </p:nvGrpSpPr>
-      <p:grpSpPr>
-        <a:xfrm>
-          <a:off x="0" y="0"/>
-          <a:ext cx="0" cy="0"/>
-          <a:chOff x="0" y="0"/>
-          <a:chExt cx="0" cy="0"/>
-        </a:xfrm>
-      </p:grpSpPr>
-      <p:sp>
-        <p:nvSpPr>
-          <p:cNvPr id="5" name="Title 4">
-            <a:extLst>
-              <a:ext uri="{FF2B5EF4-FFF2-40B4-BE49-F238E27FC236}">
-                <a16:creationId xmlns:a16="http://schemas.microsoft.com/office/drawing/2014/main" id="{99621808-DFEF-4AB8-8CE1-C8A2134373A4}"/>
-              </a:ext>
-            </a:extLst>
-          </p:cNvPr>
-          <p:cNvSpPr>
-            <a:spLocks noGrp="1"/>
-          </p:cNvSpPr>
-          <p:nvPr>
-            <p:ph type="title"/>
-          </p:nvPr>
-        </p:nvSpPr>
-        <p:spPr>
-          <a:xfrm>
-            <a:off x="1847461" y="242709"/>
-            <a:ext cx="9506339" cy="709354"/>
-          </a:xfrm>
-        </p:spPr>
-        <p:txBody>
-          <a:bodyPr/>
-          <a:lstStyle/>
-          <a:p>
-            <a:r>
-              <a:rPr lang="fr-CA" dirty="0"/>
-              <a:t>Références</a:t>
-            </a:r>
-          </a:p>
-        </p:txBody>
-      </p:sp>
-      <p:sp>
-        <p:nvSpPr>
-          <p:cNvPr id="7" name="Text Placeholder 6">
-            <a:extLst>
-              <a:ext uri="{FF2B5EF4-FFF2-40B4-BE49-F238E27FC236}">
-                <a16:creationId xmlns:a16="http://schemas.microsoft.com/office/drawing/2014/main" id="{62E26FB6-D159-4EE5-911B-8C57B0DAE7D7}"/>
-              </a:ext>
-            </a:extLst>
-          </p:cNvPr>
-          <p:cNvSpPr>
-            <a:spLocks noGrp="1"/>
-          </p:cNvSpPr>
-          <p:nvPr>
-            <p:ph type="body" sz="quarter" idx="14"/>
-          </p:nvPr>
-        </p:nvSpPr>
-        <p:spPr>
-          <a:xfrm>
-            <a:off x="1143000" y="1960020"/>
-            <a:ext cx="10515600" cy="4258766"/>
-          </a:xfrm>
-        </p:spPr>
-        <p:txBody>
-          <a:bodyPr/>
-          <a:lstStyle/>
-          <a:p>
-            <a:pPr marL="0" indent="0">
-              <a:buNone/>
-            </a:pPr>
-            <a:r>
-              <a:rPr lang="fr-CA" sz="2000" dirty="0" err="1"/>
-              <a:t>Zoiner</a:t>
-            </a:r>
-            <a:r>
-              <a:rPr lang="fr-CA" sz="2000" dirty="0"/>
-              <a:t> </a:t>
-            </a:r>
-            <a:r>
-              <a:rPr lang="fr-CA" sz="2000" dirty="0" err="1"/>
-              <a:t>Tejada</a:t>
-            </a:r>
-            <a:r>
-              <a:rPr lang="fr-CA" sz="2000" dirty="0"/>
-              <a:t> </a:t>
-            </a:r>
-          </a:p>
-          <a:p>
-            <a:pPr lvl="1"/>
-            <a:r>
-              <a:rPr lang="en-CA" sz="1800" dirty="0"/>
-              <a:t>Mastering Azure Analytics: Architecting in the Cloud with Azure Data Lake, HDInsight, and Spark (</a:t>
-            </a:r>
-            <a:r>
-              <a:rPr lang="fr-CA" sz="1800" dirty="0"/>
-              <a:t>ISBN: 9781491956656)</a:t>
-            </a:r>
-            <a:br>
-              <a:rPr lang="fr-CA" sz="1800" dirty="0"/>
-            </a:br>
-            <a:endParaRPr lang="fr-CA" sz="1800" dirty="0"/>
-          </a:p>
-          <a:p>
-            <a:pPr marL="0" indent="0">
-              <a:buNone/>
-            </a:pPr>
-            <a:r>
-              <a:rPr lang="fr-CA" sz="2000" dirty="0"/>
-              <a:t>Bill Chambers, </a:t>
-            </a:r>
-            <a:r>
-              <a:rPr lang="fr-CA" sz="2000" dirty="0" err="1"/>
-              <a:t>Matei</a:t>
-            </a:r>
-            <a:r>
-              <a:rPr lang="fr-CA" sz="2000" dirty="0"/>
-              <a:t> </a:t>
-            </a:r>
-            <a:r>
-              <a:rPr lang="fr-CA" sz="2000" dirty="0" err="1"/>
-              <a:t>Zaharia</a:t>
-            </a:r>
-            <a:endParaRPr lang="fr-CA" sz="2000" dirty="0"/>
-          </a:p>
-          <a:p>
-            <a:pPr lvl="1"/>
-            <a:r>
-              <a:rPr lang="fr-CA" sz="1800" dirty="0"/>
-              <a:t>Spark: The </a:t>
-            </a:r>
-            <a:r>
-              <a:rPr lang="fr-CA" sz="1800" dirty="0" err="1"/>
-              <a:t>Definitive</a:t>
-            </a:r>
-            <a:r>
-              <a:rPr lang="fr-CA" sz="1800" dirty="0"/>
-              <a:t> Guide (ISBN: 9781491912218)</a:t>
-            </a:r>
-            <a:br>
-              <a:rPr lang="fr-CA" sz="1800" dirty="0"/>
-            </a:br>
-            <a:endParaRPr lang="fr-CA" sz="1800" dirty="0"/>
-          </a:p>
-          <a:p>
-            <a:pPr marL="0" indent="0">
-              <a:buNone/>
-            </a:pPr>
-            <a:r>
-              <a:rPr lang="fr-CA" sz="2000" dirty="0"/>
-              <a:t>Denny Lee, </a:t>
-            </a:r>
-            <a:r>
-              <a:rPr lang="fr-CA" sz="2000" dirty="0" err="1"/>
-              <a:t>Tomasz</a:t>
-            </a:r>
-            <a:r>
-              <a:rPr lang="fr-CA" sz="2000" dirty="0"/>
-              <a:t> </a:t>
-            </a:r>
-            <a:r>
-              <a:rPr lang="fr-CA" sz="2000" dirty="0" err="1"/>
-              <a:t>Drabas</a:t>
-            </a:r>
-            <a:endParaRPr lang="fr-CA" sz="2000" dirty="0"/>
-          </a:p>
-          <a:p>
-            <a:pPr lvl="1"/>
-            <a:r>
-              <a:rPr lang="fr-CA" sz="1800" dirty="0"/>
-              <a:t>Learning </a:t>
-            </a:r>
-            <a:r>
-              <a:rPr lang="fr-CA" sz="1800" dirty="0" err="1"/>
-              <a:t>PySpark</a:t>
-            </a:r>
-            <a:r>
-              <a:rPr lang="fr-CA" sz="1800" dirty="0"/>
-              <a:t> (ISBN: 9781786463708)</a:t>
-            </a:r>
-            <a:br>
-              <a:rPr lang="fr-CA" sz="1800" dirty="0"/>
-            </a:br>
-            <a:endParaRPr lang="fr-CA" sz="1800" dirty="0"/>
-          </a:p>
-          <a:p>
-            <a:pPr marL="0" indent="0">
-              <a:buNone/>
-            </a:pPr>
-            <a:r>
-              <a:rPr lang="fr-CA" sz="2000" dirty="0"/>
-              <a:t>Ritchie King, </a:t>
-            </a:r>
-            <a:r>
-              <a:rPr lang="fr-CA" sz="2000" dirty="0" err="1"/>
-              <a:t>Nate</a:t>
-            </a:r>
-            <a:r>
-              <a:rPr lang="fr-CA" sz="2000" dirty="0"/>
-              <a:t> </a:t>
-            </a:r>
-            <a:r>
-              <a:rPr lang="fr-CA" sz="2000" dirty="0" err="1"/>
-              <a:t>Silver</a:t>
-            </a:r>
-            <a:endParaRPr lang="fr-CA" sz="2000" dirty="0"/>
-          </a:p>
-          <a:p>
-            <a:pPr lvl="1"/>
-            <a:r>
-              <a:rPr lang="fr-CA" sz="1800" dirty="0">
-                <a:hlinkClick r:id="rId3"/>
-              </a:rPr>
-              <a:t>https://projects.fivethirtyeight.com/flights/</a:t>
-            </a:r>
-            <a:endParaRPr lang="fr-CA" sz="1800" dirty="0"/>
-          </a:p>
-          <a:p>
-            <a:pPr lvl="1"/>
-            <a:endParaRPr lang="fr-CA" sz="1800" dirty="0"/>
-          </a:p>
-        </p:txBody>
-      </p:sp>
-    </p:spTree>
-    <p:extLst>
-      <p:ext uri="{BB962C8B-B14F-4D97-AF65-F5344CB8AC3E}">
-        <p14:creationId xmlns:p14="http://schemas.microsoft.com/office/powerpoint/2010/main" val="779836071"/>
-      </p:ext>
-    </p:extLst>
-  </p:cSld>
-  <p:clrMapOvr>
-    <a:masterClrMapping/>
-  </p:clrMapOvr>
+  <p:timing>
+    <p:tnLst>
+      <p:par>
+        <p:cTn id="1" dur="indefinite" restart="never" nodeType="tmRoot"/>
+      </p:par>
+    </p:tnLst>
+  </p:timing>
 </p:sld>
 </file>
 
@@ -12303,6 +12558,428 @@
       </p:grpSpPr>
       <p:sp>
         <p:nvSpPr>
+          <p:cNvPr id="5" name="Title 4">
+            <a:extLst>
+              <a:ext uri="{FF2B5EF4-FFF2-40B4-BE49-F238E27FC236}">
+                <a16:creationId xmlns:a16="http://schemas.microsoft.com/office/drawing/2014/main" xmlns="" id="{99621808-DFEF-4AB8-8CE1-C8A2134373A4}"/>
+              </a:ext>
+            </a:extLst>
+          </p:cNvPr>
+          <p:cNvSpPr>
+            <a:spLocks noGrp="1"/>
+          </p:cNvSpPr>
+          <p:nvPr>
+            <p:ph type="title"/>
+          </p:nvPr>
+        </p:nvSpPr>
+        <p:spPr>
+          <a:xfrm>
+            <a:off x="1847461" y="242709"/>
+            <a:ext cx="9506339" cy="709354"/>
+          </a:xfrm>
+        </p:spPr>
+        <p:txBody>
+          <a:bodyPr/>
+          <a:lstStyle/>
+          <a:p>
+            <a:r>
+              <a:rPr lang="fr-CA" dirty="0"/>
+              <a:t>Références</a:t>
+            </a:r>
+          </a:p>
+        </p:txBody>
+      </p:sp>
+      <p:sp>
+        <p:nvSpPr>
+          <p:cNvPr id="7" name="Text Placeholder 6">
+            <a:extLst>
+              <a:ext uri="{FF2B5EF4-FFF2-40B4-BE49-F238E27FC236}">
+                <a16:creationId xmlns:a16="http://schemas.microsoft.com/office/drawing/2014/main" xmlns="" id="{62E26FB6-D159-4EE5-911B-8C57B0DAE7D7}"/>
+              </a:ext>
+            </a:extLst>
+          </p:cNvPr>
+          <p:cNvSpPr>
+            <a:spLocks noGrp="1"/>
+          </p:cNvSpPr>
+          <p:nvPr>
+            <p:ph type="body" sz="quarter" idx="14"/>
+          </p:nvPr>
+        </p:nvSpPr>
+        <p:spPr>
+          <a:xfrm>
+            <a:off x="1143000" y="1960020"/>
+            <a:ext cx="10515600" cy="4258766"/>
+          </a:xfrm>
+        </p:spPr>
+        <p:txBody>
+          <a:bodyPr/>
+          <a:lstStyle/>
+          <a:p>
+            <a:pPr marL="0" indent="0">
+              <a:buNone/>
+            </a:pPr>
+            <a:r>
+              <a:rPr lang="fr-CA" sz="2000" dirty="0" err="1"/>
+              <a:t>Zoiner</a:t>
+            </a:r>
+            <a:r>
+              <a:rPr lang="fr-CA" sz="2000" dirty="0"/>
+              <a:t> </a:t>
+            </a:r>
+            <a:r>
+              <a:rPr lang="fr-CA" sz="2000" dirty="0" err="1"/>
+              <a:t>Tejada</a:t>
+            </a:r>
+            <a:r>
+              <a:rPr lang="fr-CA" sz="2000" dirty="0"/>
+              <a:t> </a:t>
+            </a:r>
+          </a:p>
+          <a:p>
+            <a:pPr lvl="1"/>
+            <a:r>
+              <a:rPr lang="en-CA" sz="1800" dirty="0"/>
+              <a:t>Mastering Azure Analytics: Architecting in the Cloud with Azure Data Lake, HDInsight, and Spark (</a:t>
+            </a:r>
+            <a:r>
+              <a:rPr lang="fr-CA" sz="1800" dirty="0"/>
+              <a:t>ISBN: 9781491956656)</a:t>
+            </a:r>
+            <a:br>
+              <a:rPr lang="fr-CA" sz="1800" dirty="0"/>
+            </a:br>
+            <a:endParaRPr lang="fr-CA" sz="1800" dirty="0"/>
+          </a:p>
+          <a:p>
+            <a:pPr marL="0" indent="0">
+              <a:buNone/>
+            </a:pPr>
+            <a:r>
+              <a:rPr lang="fr-CA" sz="2000" dirty="0"/>
+              <a:t>Bill Chambers, </a:t>
+            </a:r>
+            <a:r>
+              <a:rPr lang="fr-CA" sz="2000" dirty="0" err="1"/>
+              <a:t>Matei</a:t>
+            </a:r>
+            <a:r>
+              <a:rPr lang="fr-CA" sz="2000" dirty="0"/>
+              <a:t> </a:t>
+            </a:r>
+            <a:r>
+              <a:rPr lang="fr-CA" sz="2000" dirty="0" err="1"/>
+              <a:t>Zaharia</a:t>
+            </a:r>
+            <a:endParaRPr lang="fr-CA" sz="2000" dirty="0"/>
+          </a:p>
+          <a:p>
+            <a:pPr lvl="1"/>
+            <a:r>
+              <a:rPr lang="fr-CA" sz="1800" dirty="0"/>
+              <a:t>Spark: The </a:t>
+            </a:r>
+            <a:r>
+              <a:rPr lang="fr-CA" sz="1800" dirty="0" err="1"/>
+              <a:t>Definitive</a:t>
+            </a:r>
+            <a:r>
+              <a:rPr lang="fr-CA" sz="1800" dirty="0"/>
+              <a:t> Guide (ISBN: 9781491912218)</a:t>
+            </a:r>
+            <a:br>
+              <a:rPr lang="fr-CA" sz="1800" dirty="0"/>
+            </a:br>
+            <a:endParaRPr lang="fr-CA" sz="1800" dirty="0"/>
+          </a:p>
+          <a:p>
+            <a:pPr marL="0" indent="0">
+              <a:buNone/>
+            </a:pPr>
+            <a:r>
+              <a:rPr lang="fr-CA" sz="2000" dirty="0"/>
+              <a:t>Denny Lee, </a:t>
+            </a:r>
+            <a:r>
+              <a:rPr lang="fr-CA" sz="2000" dirty="0" err="1"/>
+              <a:t>Tomasz</a:t>
+            </a:r>
+            <a:r>
+              <a:rPr lang="fr-CA" sz="2000" dirty="0"/>
+              <a:t> </a:t>
+            </a:r>
+            <a:r>
+              <a:rPr lang="fr-CA" sz="2000" dirty="0" err="1"/>
+              <a:t>Drabas</a:t>
+            </a:r>
+            <a:endParaRPr lang="fr-CA" sz="2000" dirty="0"/>
+          </a:p>
+          <a:p>
+            <a:pPr lvl="1"/>
+            <a:r>
+              <a:rPr lang="fr-CA" sz="1800" dirty="0"/>
+              <a:t>Learning </a:t>
+            </a:r>
+            <a:r>
+              <a:rPr lang="fr-CA" sz="1800" dirty="0" err="1"/>
+              <a:t>PySpark</a:t>
+            </a:r>
+            <a:r>
+              <a:rPr lang="fr-CA" sz="1800" dirty="0"/>
+              <a:t> (ISBN: 9781786463708)</a:t>
+            </a:r>
+            <a:br>
+              <a:rPr lang="fr-CA" sz="1800" dirty="0"/>
+            </a:br>
+            <a:endParaRPr lang="fr-CA" sz="1800" dirty="0"/>
+          </a:p>
+          <a:p>
+            <a:pPr marL="0" indent="0">
+              <a:buNone/>
+            </a:pPr>
+            <a:r>
+              <a:rPr lang="fr-CA" sz="2000" dirty="0"/>
+              <a:t>Ritchie King, </a:t>
+            </a:r>
+            <a:r>
+              <a:rPr lang="fr-CA" sz="2000" dirty="0" err="1"/>
+              <a:t>Nate</a:t>
+            </a:r>
+            <a:r>
+              <a:rPr lang="fr-CA" sz="2000" dirty="0"/>
+              <a:t> </a:t>
+            </a:r>
+            <a:r>
+              <a:rPr lang="fr-CA" sz="2000" dirty="0" err="1"/>
+              <a:t>Silver</a:t>
+            </a:r>
+            <a:endParaRPr lang="fr-CA" sz="2000" dirty="0"/>
+          </a:p>
+          <a:p>
+            <a:pPr lvl="1"/>
+            <a:r>
+              <a:rPr lang="fr-CA" sz="1800" dirty="0">
+                <a:hlinkClick r:id="rId3"/>
+              </a:rPr>
+              <a:t>https://projects.fivethirtyeight.com/flights/</a:t>
+            </a:r>
+            <a:endParaRPr lang="fr-CA" sz="1800" dirty="0"/>
+          </a:p>
+          <a:p>
+            <a:pPr lvl="1"/>
+            <a:endParaRPr lang="fr-CA" sz="1800" dirty="0"/>
+          </a:p>
+        </p:txBody>
+      </p:sp>
+    </p:spTree>
+    <p:extLst>
+      <p:ext uri="{BB962C8B-B14F-4D97-AF65-F5344CB8AC3E}">
+        <p14:creationId xmlns:p14="http://schemas.microsoft.com/office/powerpoint/2010/main" val="779836071"/>
+      </p:ext>
+    </p:extLst>
+  </p:cSld>
+  <p:clrMapOvr>
+    <a:masterClrMapping/>
+  </p:clrMapOvr>
+  <p:timing>
+    <p:tnLst>
+      <p:par>
+        <p:cTn id="1" dur="indefinite" restart="never" nodeType="tmRoot"/>
+      </p:par>
+    </p:tnLst>
+  </p:timing>
+</p:sld>
+</file>
+
+<file path=ppt/slides/slide25.xml><?xml version="1.0" encoding="utf-8"?>
+<p:sld xmlns:a="http://schemas.openxmlformats.org/drawingml/2006/main" xmlns:r="http://schemas.openxmlformats.org/officeDocument/2006/relationships" xmlns:p="http://schemas.openxmlformats.org/presentationml/2006/main">
+  <p:cSld>
+    <p:spTree>
+      <p:nvGrpSpPr>
+        <p:cNvPr id="1" name=""/>
+        <p:cNvGrpSpPr/>
+        <p:nvPr/>
+      </p:nvGrpSpPr>
+      <p:grpSpPr>
+        <a:xfrm>
+          <a:off x="0" y="0"/>
+          <a:ext cx="0" cy="0"/>
+          <a:chOff x="0" y="0"/>
+          <a:chExt cx="0" cy="0"/>
+        </a:xfrm>
+      </p:grpSpPr>
+      <p:sp>
+        <p:nvSpPr>
+          <p:cNvPr id="5" name="Title 4">
+            <a:extLst>
+              <a:ext uri="{FF2B5EF4-FFF2-40B4-BE49-F238E27FC236}">
+                <a16:creationId xmlns:a16="http://schemas.microsoft.com/office/drawing/2014/main" xmlns="" id="{99621808-DFEF-4AB8-8CE1-C8A2134373A4}"/>
+              </a:ext>
+            </a:extLst>
+          </p:cNvPr>
+          <p:cNvSpPr>
+            <a:spLocks noGrp="1"/>
+          </p:cNvSpPr>
+          <p:nvPr>
+            <p:ph type="title"/>
+          </p:nvPr>
+        </p:nvSpPr>
+        <p:spPr>
+          <a:xfrm>
+            <a:off x="1847461" y="242709"/>
+            <a:ext cx="9506339" cy="709354"/>
+          </a:xfrm>
+        </p:spPr>
+        <p:txBody>
+          <a:bodyPr/>
+          <a:lstStyle/>
+          <a:p>
+            <a:r>
+              <a:rPr lang="fr-CA" dirty="0" smtClean="0"/>
+              <a:t>Lab</a:t>
+            </a:r>
+            <a:endParaRPr lang="fr-CA" dirty="0"/>
+          </a:p>
+        </p:txBody>
+      </p:sp>
+      <p:pic>
+        <p:nvPicPr>
+          <p:cNvPr id="2" name="Picture 1"/>
+          <p:cNvPicPr>
+            <a:picLocks noChangeAspect="1"/>
+          </p:cNvPicPr>
+          <p:nvPr/>
+        </p:nvPicPr>
+        <p:blipFill rotWithShape="1">
+          <a:blip r:embed="rId3" cstate="print">
+            <a:extLst>
+              <a:ext uri="{BEBA8EAE-BF5A-486C-A8C5-ECC9F3942E4B}">
+                <a14:imgProps xmlns:a14="http://schemas.microsoft.com/office/drawing/2010/main">
+                  <a14:imgLayer r:embed="rId4">
+                    <a14:imgEffect>
+                      <a14:brightnessContrast bright="-40000"/>
+                    </a14:imgEffect>
+                  </a14:imgLayer>
+                </a14:imgProps>
+              </a:ext>
+              <a:ext uri="{28A0092B-C50C-407E-A947-70E740481C1C}">
+                <a14:useLocalDpi xmlns:a14="http://schemas.microsoft.com/office/drawing/2010/main" val="0"/>
+              </a:ext>
+            </a:extLst>
+          </a:blip>
+          <a:srcRect b="14061"/>
+          <a:stretch/>
+        </p:blipFill>
+        <p:spPr>
+          <a:xfrm>
+            <a:off x="0" y="1058915"/>
+            <a:ext cx="12192000" cy="5893678"/>
+          </a:xfrm>
+          <a:prstGeom prst="rect">
+            <a:avLst/>
+          </a:prstGeom>
+        </p:spPr>
+      </p:pic>
+      <p:sp>
+        <p:nvSpPr>
+          <p:cNvPr id="7" name="Text Placeholder 6">
+            <a:extLst>
+              <a:ext uri="{FF2B5EF4-FFF2-40B4-BE49-F238E27FC236}">
+                <a16:creationId xmlns:a16="http://schemas.microsoft.com/office/drawing/2014/main" xmlns="" id="{62E26FB6-D159-4EE5-911B-8C57B0DAE7D7}"/>
+              </a:ext>
+            </a:extLst>
+          </p:cNvPr>
+          <p:cNvSpPr>
+            <a:spLocks noGrp="1"/>
+          </p:cNvSpPr>
+          <p:nvPr>
+            <p:ph type="body" sz="quarter" idx="14"/>
+          </p:nvPr>
+        </p:nvSpPr>
+        <p:spPr>
+          <a:xfrm>
+            <a:off x="1847461" y="2926972"/>
+            <a:ext cx="8860221" cy="814712"/>
+          </a:xfrm>
+        </p:spPr>
+        <p:txBody>
+          <a:bodyPr/>
+          <a:lstStyle/>
+          <a:p>
+            <a:pPr marL="0" indent="0" algn="ctr">
+              <a:buNone/>
+            </a:pPr>
+            <a:r>
+              <a:rPr lang="fr-CA" sz="6600" dirty="0" smtClean="0">
+                <a:solidFill>
+                  <a:schemeClr val="bg1"/>
+                </a:solidFill>
+              </a:rPr>
+              <a:t>Lab : </a:t>
+            </a:r>
+          </a:p>
+          <a:p>
+            <a:pPr marL="0" indent="0" algn="ctr">
+              <a:buNone/>
+            </a:pPr>
+            <a:r>
+              <a:rPr lang="fr-CA" sz="6600" dirty="0" smtClean="0">
+                <a:solidFill>
+                  <a:schemeClr val="bg1"/>
+                </a:solidFill>
+              </a:rPr>
+              <a:t>À vous de jouer!</a:t>
+            </a:r>
+            <a:endParaRPr lang="fr-CA" sz="6000" dirty="0">
+              <a:solidFill>
+                <a:schemeClr val="bg1"/>
+              </a:solidFill>
+            </a:endParaRPr>
+          </a:p>
+          <a:p>
+            <a:pPr lvl="1" algn="ctr"/>
+            <a:endParaRPr lang="fr-CA" sz="3200" dirty="0"/>
+          </a:p>
+        </p:txBody>
+      </p:sp>
+    </p:spTree>
+    <p:extLst>
+      <p:ext uri="{BB962C8B-B14F-4D97-AF65-F5344CB8AC3E}">
+        <p14:creationId xmlns:p14="http://schemas.microsoft.com/office/powerpoint/2010/main" val="183287962"/>
+      </p:ext>
+    </p:extLst>
+  </p:cSld>
+  <p:clrMapOvr>
+    <a:masterClrMapping/>
+  </p:clrMapOvr>
+  <p:timing>
+    <p:tnLst>
+      <p:par>
+        <p:cTn id="1" dur="indefinite" restart="never" nodeType="tmRoot"/>
+      </p:par>
+    </p:tnLst>
+  </p:timing>
+</p:sld>
+</file>
+
+<file path=ppt/slides/slide26.xml><?xml version="1.0" encoding="utf-8"?>
+<p:sld xmlns:a="http://schemas.openxmlformats.org/drawingml/2006/main" xmlns:r="http://schemas.openxmlformats.org/officeDocument/2006/relationships" xmlns:p="http://schemas.openxmlformats.org/presentationml/2006/main">
+  <p:cSld>
+    <p:spTree>
+      <p:nvGrpSpPr>
+        <p:cNvPr id="1" name=""/>
+        <p:cNvGrpSpPr/>
+        <p:nvPr/>
+      </p:nvGrpSpPr>
+      <p:grpSpPr>
+        <a:xfrm>
+          <a:off x="0" y="0"/>
+          <a:ext cx="0" cy="0"/>
+          <a:chOff x="0" y="0"/>
+          <a:chExt cx="0" cy="0"/>
+        </a:xfrm>
+      </p:grpSpPr>
+      <p:sp>
+        <p:nvSpPr>
           <p:cNvPr id="5" name="Title 4"/>
           <p:cNvSpPr>
             <a:spLocks noGrp="1"/>
@@ -12319,7 +12996,7 @@
         </p:spPr>
         <p:txBody>
           <a:bodyPr>
-            <a:normAutofit fontScale="90000"/>
+            <a:normAutofit/>
           </a:bodyPr>
           <a:lstStyle/>
           <a:p>
@@ -12412,10 +13089,17 @@
   <p:clrMapOvr>
     <a:masterClrMapping/>
   </p:clrMapOvr>
+  <p:timing>
+    <p:tnLst>
+      <p:par>
+        <p:cTn id="1" dur="indefinite" restart="never" nodeType="tmRoot"/>
+      </p:par>
+    </p:tnLst>
+  </p:timing>
 </p:sld>
 </file>
 
-<file path=ppt/slides/slide25.xml><?xml version="1.0" encoding="utf-8"?>
+<file path=ppt/slides/slide27.xml><?xml version="1.0" encoding="utf-8"?>
 <p:sld xmlns:a="http://schemas.openxmlformats.org/drawingml/2006/main" xmlns:r="http://schemas.openxmlformats.org/officeDocument/2006/relationships" xmlns:p="http://schemas.openxmlformats.org/presentationml/2006/main">
   <p:cSld>
     <p:spTree>
@@ -14103,7 +14787,7 @@
 </p:sld>
 </file>
 
-<file path=ppt/slides/slide26.xml><?xml version="1.0" encoding="utf-8"?>
+<file path=ppt/slides/slide28.xml><?xml version="1.0" encoding="utf-8"?>
 <p:sld xmlns:a="http://schemas.openxmlformats.org/drawingml/2006/main" xmlns:r="http://schemas.openxmlformats.org/officeDocument/2006/relationships" xmlns:p="http://schemas.openxmlformats.org/presentationml/2006/main">
   <p:cSld>
     <p:spTree>
@@ -15027,7 +15711,7 @@
 </p:sld>
 </file>
 
-<file path=ppt/slides/slide27.xml><?xml version="1.0" encoding="utf-8"?>
+<file path=ppt/slides/slide29.xml><?xml version="1.0" encoding="utf-8"?>
 <p:sld xmlns:a="http://schemas.openxmlformats.org/drawingml/2006/main" xmlns:r="http://schemas.openxmlformats.org/officeDocument/2006/relationships" xmlns:p="http://schemas.openxmlformats.org/presentationml/2006/main">
   <p:cSld>
     <p:spTree>
@@ -18422,6 +19106,10 @@
               <a:rPr lang="en-US" dirty="0" err="1"/>
               <a:t>Développement</a:t>
             </a:r>
+            <a:r>
+              <a:rPr lang="en-US" dirty="0"/>
+              <a:t/>
+            </a:r>
             <a:br>
               <a:rPr lang="en-US" dirty="0"/>
             </a:br>
@@ -18464,7 +19152,7 @@
         </p:blipFill>
         <p:spPr bwMode="auto">
           <a:xfrm>
-            <a:off x="6904232" y="3084107"/>
+            <a:off x="6935764" y="2842369"/>
             <a:ext cx="4968954" cy="3523614"/>
           </a:xfrm>
           <a:prstGeom prst="rect">
@@ -18583,6 +19271,10 @@
               <a:rPr lang="fr-CA" dirty="0"/>
               <a:t>Écosystème</a:t>
             </a:r>
+            <a:r>
+              <a:rPr lang="en-US" dirty="0"/>
+              <a:t/>
+            </a:r>
             <a:br>
               <a:rPr lang="en-US" dirty="0"/>
             </a:br>
@@ -18654,17 +19346,17 @@
           <a:p>
             <a:pPr lvl="2"/>
             <a:r>
-              <a:rPr lang="fr-CA" dirty="0"/>
+              <a:rPr lang="fr-CA" dirty="0" smtClean="0"/>
               <a:t>Apache Zeppelin</a:t>
             </a:r>
           </a:p>
           <a:p>
             <a:pPr lvl="2"/>
             <a:r>
-              <a:rPr lang="fr-CA" dirty="0" err="1"/>
+              <a:rPr lang="fr-CA" dirty="0" err="1" smtClean="0"/>
               <a:t>Jupyter</a:t>
             </a:r>
-            <a:endParaRPr lang="fr-CA" dirty="0"/>
+            <a:endParaRPr lang="fr-CA" dirty="0" smtClean="0"/>
           </a:p>
           <a:p>
             <a:pPr lvl="2"/>
@@ -18699,7 +19391,7 @@
         </p:blipFill>
         <p:spPr bwMode="auto">
           <a:xfrm>
-            <a:off x="4993241" y="1793827"/>
+            <a:off x="4982730" y="2371896"/>
             <a:ext cx="6275014" cy="2954114"/>
           </a:xfrm>
           <a:prstGeom prst="rect">

--- a/Présentation.pptx
+++ b/Présentation.pptx
@@ -254,7 +254,7 @@
           <a:p>
             <a:fld id="{F1C04AFE-8EB8-429F-87B7-C86EA09F93BA}" type="datetimeFigureOut">
               <a:rPr lang="fr-CA" smtClean="0"/>
-              <a:t>2017-10-18</a:t>
+              <a:t>2017-10-19</a:t>
             </a:fld>
             <a:endParaRPr lang="fr-CA"/>
           </a:p>
@@ -419,7 +419,7 @@
           <a:p>
             <a:fld id="{3F3687BD-041C-4C7D-A31D-4D44F82D0852}" type="datetimeFigureOut">
               <a:rPr lang="fr-CA" smtClean="0"/>
-              <a:t>2017-10-18</a:t>
+              <a:t>2017-10-19</a:t>
             </a:fld>
             <a:endParaRPr lang="fr-CA"/>
           </a:p>
@@ -995,10 +995,6 @@
             </a:endParaRPr>
           </a:p>
           <a:p>
-            <a:r>
-              <a:rPr lang="fr-CA" dirty="0"/>
-              <a:t/>
-            </a:r>
             <a:br>
               <a:rPr lang="fr-CA" dirty="0"/>
             </a:br>
@@ -1140,10 +1136,6 @@
             </a:endParaRPr>
           </a:p>
           <a:p>
-            <a:r>
-              <a:rPr lang="fr-CA" dirty="0"/>
-              <a:t/>
-            </a:r>
             <a:br>
               <a:rPr lang="fr-CA" dirty="0"/>
             </a:br>
@@ -1309,10 +1301,6 @@
             </a:endParaRPr>
           </a:p>
           <a:p>
-            <a:r>
-              <a:rPr lang="fr-CA" dirty="0"/>
-              <a:t/>
-            </a:r>
             <a:br>
               <a:rPr lang="fr-CA" dirty="0"/>
             </a:br>
@@ -1478,10 +1466,6 @@
             </a:endParaRPr>
           </a:p>
           <a:p>
-            <a:r>
-              <a:rPr lang="fr-CA" dirty="0"/>
-              <a:t/>
-            </a:r>
             <a:br>
               <a:rPr lang="fr-CA" dirty="0"/>
             </a:br>
@@ -1570,10 +1554,6 @@
           <a:lstStyle/>
           <a:p>
             <a:pPr rtl="0" fontAlgn="base"/>
-            <a:r>
-              <a:rPr lang="fr-CA" dirty="0"/>
-              <a:t/>
-            </a:r>
             <a:br>
               <a:rPr lang="fr-CA" dirty="0"/>
             </a:br>
@@ -1721,10 +1701,6 @@
           <a:lstStyle/>
           <a:p>
             <a:pPr rtl="0"/>
-            <a:r>
-              <a:rPr lang="fr-CA" dirty="0"/>
-              <a:t/>
-            </a:r>
             <a:br>
               <a:rPr lang="fr-CA" dirty="0"/>
             </a:br>
@@ -3470,7 +3446,7 @@
                 </a:solidFill>
               </a:rPr>
               <a:pPr/>
-              <a:t>2017-10-18</a:t>
+              <a:t>2017-10-19</a:t>
             </a:fld>
             <a:endParaRPr lang="fr-CA">
               <a:solidFill>
@@ -3870,7 +3846,7 @@
           <a:p>
             <a:fld id="{1D89F286-A9D5-4139-92F2-13D69D137390}" type="datetimeFigureOut">
               <a:rPr lang="en-CA" smtClean="0"/>
-              <a:t>2017-10-18</a:t>
+              <a:t>2017-10-19</a:t>
             </a:fld>
             <a:endParaRPr lang="en-CA"/>
           </a:p>
@@ -4885,7 +4861,7 @@
                 </a:solidFill>
               </a:rPr>
               <a:pPr/>
-              <a:t>2017-10-18</a:t>
+              <a:t>2017-10-19</a:t>
             </a:fld>
             <a:endParaRPr lang="fr-CA">
               <a:solidFill>
@@ -5318,7 +5294,7 @@
                 </a:solidFill>
               </a:rPr>
               <a:pPr/>
-              <a:t>2017-10-18</a:t>
+              <a:t>2017-10-19</a:t>
             </a:fld>
             <a:endParaRPr lang="fr-CA">
               <a:solidFill>
@@ -5596,7 +5572,7 @@
                 </a:solidFill>
               </a:rPr>
               <a:pPr/>
-              <a:t>2017-10-18</a:t>
+              <a:t>2017-10-19</a:t>
             </a:fld>
             <a:endParaRPr lang="fr-CA">
               <a:solidFill>
@@ -6003,7 +5979,7 @@
                 </a:solidFill>
               </a:rPr>
               <a:pPr/>
-              <a:t>2017-10-18</a:t>
+              <a:t>2017-10-19</a:t>
             </a:fld>
             <a:endParaRPr lang="fr-CA">
               <a:solidFill>
@@ -6318,7 +6294,7 @@
                 </a:solidFill>
               </a:rPr>
               <a:pPr/>
-              <a:t>2017-10-18</a:t>
+              <a:t>2017-10-19</a:t>
             </a:fld>
             <a:endParaRPr lang="fr-CA">
               <a:solidFill>
@@ -6611,7 +6587,7 @@
                 </a:solidFill>
               </a:rPr>
               <a:pPr/>
-              <a:t>2017-10-18</a:t>
+              <a:t>2017-10-19</a:t>
             </a:fld>
             <a:endParaRPr lang="fr-CA">
               <a:solidFill>
@@ -7165,7 +7141,7 @@
                 </a:solidFill>
               </a:rPr>
               <a:pPr/>
-              <a:t>2017-10-18</a:t>
+              <a:t>2017-10-19</a:t>
             </a:fld>
             <a:endParaRPr lang="fr-CA">
               <a:solidFill>
@@ -7745,7 +7721,7 @@
                 </a:solidFill>
               </a:rPr>
               <a:pPr/>
-              <a:t>2017-10-18</a:t>
+              <a:t>2017-10-19</a:t>
             </a:fld>
             <a:endParaRPr lang="fr-CA">
               <a:solidFill>
@@ -8406,10 +8382,6 @@
               <a:rPr lang="fr-CA" dirty="0"/>
               <a:t>Écosystème</a:t>
             </a:r>
-            <a:r>
-              <a:rPr lang="en-US" dirty="0"/>
-              <a:t/>
-            </a:r>
             <a:br>
               <a:rPr lang="en-US" dirty="0"/>
             </a:br>
@@ -8418,20 +8390,16 @@
           <a:p>
             <a:pPr lvl="1"/>
             <a:r>
-              <a:rPr lang="en-US" dirty="0" err="1" smtClean="0"/>
+              <a:rPr lang="en-US" dirty="0" err="1"/>
               <a:t>Langages</a:t>
             </a:r>
             <a:r>
-              <a:rPr lang="en-US" dirty="0" smtClean="0"/>
+              <a:rPr lang="en-US" dirty="0"/>
               <a:t> de </a:t>
             </a:r>
             <a:r>
-              <a:rPr lang="en-US" dirty="0" err="1" smtClean="0"/>
+              <a:rPr lang="en-US" dirty="0" err="1"/>
               <a:t>programmation</a:t>
-            </a:r>
-            <a:r>
-              <a:rPr lang="en-US" dirty="0"/>
-              <a:t/>
             </a:r>
             <a:br>
               <a:rPr lang="en-US" dirty="0"/>
@@ -8441,18 +8409,16 @@
           <a:p>
             <a:pPr lvl="2"/>
             <a:r>
-              <a:rPr lang="fr-CA" dirty="0" smtClean="0"/>
+              <a:rPr lang="fr-CA" dirty="0"/>
               <a:t>Codé en Scala</a:t>
             </a:r>
-            <a:endParaRPr lang="fr-CA" dirty="0"/>
           </a:p>
           <a:p>
             <a:pPr lvl="2"/>
             <a:r>
-              <a:rPr lang="fr-CA" dirty="0" smtClean="0"/>
+              <a:rPr lang="fr-CA" dirty="0"/>
               <a:t>APIs pour Scala, Python, Java</a:t>
             </a:r>
-            <a:endParaRPr lang="fr-CA" dirty="0"/>
           </a:p>
           <a:p>
             <a:pPr lvl="2"/>
@@ -8479,17 +8445,17 @@
           <a:p>
             <a:pPr lvl="2"/>
             <a:r>
-              <a:rPr lang="fr-CA" dirty="0" smtClean="0"/>
+              <a:rPr lang="fr-CA" dirty="0"/>
               <a:t>Apache Zeppelin</a:t>
             </a:r>
           </a:p>
           <a:p>
             <a:pPr lvl="2"/>
             <a:r>
-              <a:rPr lang="fr-CA" dirty="0" err="1" smtClean="0"/>
+              <a:rPr lang="fr-CA" dirty="0" err="1"/>
               <a:t>Jupyter</a:t>
             </a:r>
-            <a:endParaRPr lang="fr-CA" dirty="0" smtClean="0"/>
+            <a:endParaRPr lang="fr-CA" dirty="0"/>
           </a:p>
           <a:p>
             <a:pPr lvl="2"/>
@@ -8624,10 +8590,6 @@
               <a:rPr lang="en-US" dirty="0" err="1"/>
               <a:t>d’API</a:t>
             </a:r>
-            <a:r>
-              <a:rPr lang="en-US" dirty="0"/>
-              <a:t/>
-            </a:r>
             <a:br>
               <a:rPr lang="en-US" dirty="0"/>
             </a:br>
@@ -8812,13 +8774,8 @@
             <a:pPr lvl="2"/>
             <a:r>
               <a:rPr lang="fr-CA" dirty="0"/>
-              <a:t>Structure de donnée </a:t>
-            </a:r>
-            <a:r>
-              <a:rPr lang="fr-CA" dirty="0" smtClean="0"/>
-              <a:t>immuable</a:t>
-            </a:r>
-            <a:endParaRPr lang="fr-CA" dirty="0"/>
+              <a:t>Structure de donnée immuable</a:t>
+            </a:r>
           </a:p>
         </p:txBody>
       </p:sp>
@@ -9319,10 +9276,6 @@
               <a:rPr lang="fr-CA" dirty="0"/>
               <a:t>Spark SQL</a:t>
             </a:r>
-            <a:r>
-              <a:rPr lang="en-US" dirty="0"/>
-              <a:t/>
-            </a:r>
             <a:br>
               <a:rPr lang="en-US" dirty="0"/>
             </a:br>
@@ -9468,10 +9421,6 @@
               <a:rPr lang="fr-CA" dirty="0"/>
               <a:t>Comment Spark s’exécute? </a:t>
             </a:r>
-            <a:r>
-              <a:rPr lang="en-US" dirty="0"/>
-              <a:t/>
-            </a:r>
             <a:br>
               <a:rPr lang="en-US" dirty="0"/>
             </a:br>
@@ -9495,13 +9444,8 @@
             <a:pPr lvl="2"/>
             <a:r>
               <a:rPr lang="fr-CA" dirty="0"/>
-              <a:t>Un gestionnaire de </a:t>
-            </a:r>
-            <a:r>
-              <a:rPr lang="fr-CA" dirty="0" smtClean="0"/>
-              <a:t>ressources</a:t>
-            </a:r>
-            <a:endParaRPr lang="fr-CA" dirty="0"/>
+              <a:t>Un gestionnaire de ressources</a:t>
+            </a:r>
           </a:p>
           <a:p>
             <a:pPr lvl="2"/>
@@ -9648,20 +9592,16 @@
               <a:buNone/>
             </a:pPr>
             <a:r>
-              <a:rPr lang="fr-CA" dirty="0" err="1" smtClean="0"/>
+              <a:rPr lang="fr-CA" dirty="0" err="1"/>
               <a:t>HDInsight</a:t>
             </a:r>
             <a:r>
-              <a:rPr lang="fr-CA" dirty="0" smtClean="0"/>
+              <a:rPr lang="fr-CA" dirty="0"/>
               <a:t> </a:t>
             </a:r>
             <a:r>
-              <a:rPr lang="fr-CA" dirty="0" err="1" smtClean="0"/>
+              <a:rPr lang="fr-CA" dirty="0" err="1"/>
               <a:t>Spark</a:t>
-            </a:r>
-            <a:r>
-              <a:rPr lang="en-US" dirty="0"/>
-              <a:t/>
             </a:r>
             <a:br>
               <a:rPr lang="en-US" dirty="0"/>
@@ -9672,10 +9612,6 @@
             <a:pPr marL="0" indent="0">
               <a:buNone/>
             </a:pPr>
-            <a:r>
-              <a:rPr lang="en-US" dirty="0"/>
-              <a:t/>
-            </a:r>
             <a:br>
               <a:rPr lang="en-US" dirty="0"/>
             </a:br>
@@ -9688,7 +9624,7 @@
           <p:cNvPr id="2" name="Picture 1">
             <a:extLst>
               <a:ext uri="{FF2B5EF4-FFF2-40B4-BE49-F238E27FC236}">
-                <a16:creationId xmlns:a16="http://schemas.microsoft.com/office/drawing/2014/main" xmlns="" id="{B62F2321-3DFD-4810-9865-2FC89DC34B32}"/>
+                <a16:creationId xmlns:a16="http://schemas.microsoft.com/office/drawing/2014/main" id="{B62F2321-3DFD-4810-9865-2FC89DC34B32}"/>
               </a:ext>
             </a:extLst>
           </p:cNvPr>
@@ -9814,10 +9750,6 @@
               <a:rPr lang="fr-CA" dirty="0"/>
               <a:t>Principaux avantages de Spark dans Azure</a:t>
             </a:r>
-            <a:r>
-              <a:rPr lang="en-US" dirty="0"/>
-              <a:t/>
-            </a:r>
             <a:br>
               <a:rPr lang="en-US" dirty="0"/>
             </a:br>
@@ -9851,7 +9783,7 @@
           <p:cNvPr id="3" name="Picture 2">
             <a:extLst>
               <a:ext uri="{FF2B5EF4-FFF2-40B4-BE49-F238E27FC236}">
-                <a16:creationId xmlns:a16="http://schemas.microsoft.com/office/drawing/2014/main" xmlns="" id="{34E3B4B7-8AD0-4BED-B7D7-CC499F3B0336}"/>
+                <a16:creationId xmlns:a16="http://schemas.microsoft.com/office/drawing/2014/main" id="{34E3B4B7-8AD0-4BED-B7D7-CC499F3B0336}"/>
               </a:ext>
             </a:extLst>
           </p:cNvPr>
@@ -10477,12 +10409,6 @@
                 <a:latin typeface="Gotham" panose="02000604030000020004" pitchFamily="50" charset="0"/>
               </a:rPr>
             </a:br>
-            <a:r>
-              <a:rPr lang="fr-FR" sz="2000" dirty="0">
-                <a:latin typeface="Gotham" panose="02000604030000020004" pitchFamily="50" charset="0"/>
-              </a:rPr>
-              <a:t/>
-            </a:r>
             <a:br>
               <a:rPr lang="fr-FR" sz="2000" dirty="0">
                 <a:latin typeface="Gotham" panose="02000604030000020004" pitchFamily="50" charset="0"/>
@@ -10779,12 +10705,6 @@
                 <a:latin typeface="Gotham" panose="02000604030000020004" pitchFamily="50" charset="0"/>
               </a:rPr>
             </a:br>
-            <a:r>
-              <a:rPr lang="fr-FR" sz="2000" dirty="0">
-                <a:latin typeface="Gotham" panose="02000604030000020004" pitchFamily="50" charset="0"/>
-              </a:rPr>
-              <a:t/>
-            </a:r>
             <a:br>
               <a:rPr lang="fr-FR" sz="2000" dirty="0">
                 <a:latin typeface="Gotham" panose="02000604030000020004" pitchFamily="50" charset="0"/>
@@ -11072,12 +10992,6 @@
                 <a:latin typeface="Gotham" panose="02000604030000020004" pitchFamily="50" charset="0"/>
               </a:rPr>
             </a:br>
-            <a:r>
-              <a:rPr lang="fr-FR" sz="2000" dirty="0">
-                <a:latin typeface="Gotham" panose="02000604030000020004" pitchFamily="50" charset="0"/>
-              </a:rPr>
-              <a:t/>
-            </a:r>
             <a:br>
               <a:rPr lang="fr-FR" sz="2000" dirty="0">
                 <a:latin typeface="Gotham" panose="02000604030000020004" pitchFamily="50" charset="0"/>
@@ -11810,7 +11724,7 @@
           <p:cNvPr id="4" name="Text Placeholder 5">
             <a:extLst>
               <a:ext uri="{FF2B5EF4-FFF2-40B4-BE49-F238E27FC236}">
-                <a16:creationId xmlns:a16="http://schemas.microsoft.com/office/drawing/2014/main" xmlns="" id="{5020B9C7-5CD6-4A8A-9B6A-29EE13189CA9}"/>
+                <a16:creationId xmlns:a16="http://schemas.microsoft.com/office/drawing/2014/main" id="{5020B9C7-5CD6-4A8A-9B6A-29EE13189CA9}"/>
               </a:ext>
             </a:extLst>
           </p:cNvPr>
@@ -11873,7 +11787,7 @@
           <p:cNvPr id="5" name="Title 4">
             <a:extLst>
               <a:ext uri="{FF2B5EF4-FFF2-40B4-BE49-F238E27FC236}">
-                <a16:creationId xmlns:a16="http://schemas.microsoft.com/office/drawing/2014/main" xmlns="" id="{7ED93FAE-071F-4361-BD2E-81F5958C3E83}"/>
+                <a16:creationId xmlns:a16="http://schemas.microsoft.com/office/drawing/2014/main" id="{7ED93FAE-071F-4361-BD2E-81F5958C3E83}"/>
               </a:ext>
             </a:extLst>
           </p:cNvPr>
@@ -11901,7 +11815,7 @@
           <p:cNvPr id="6" name="Text Placeholder 5">
             <a:extLst>
               <a:ext uri="{FF2B5EF4-FFF2-40B4-BE49-F238E27FC236}">
-                <a16:creationId xmlns:a16="http://schemas.microsoft.com/office/drawing/2014/main" xmlns="" id="{5020B9C7-5CD6-4A8A-9B6A-29EE13189CA9}"/>
+                <a16:creationId xmlns:a16="http://schemas.microsoft.com/office/drawing/2014/main" id="{5020B9C7-5CD6-4A8A-9B6A-29EE13189CA9}"/>
               </a:ext>
             </a:extLst>
           </p:cNvPr>
@@ -11929,7 +11843,7 @@
           <p:cNvPr id="7" name="Text Placeholder 6">
             <a:extLst>
               <a:ext uri="{FF2B5EF4-FFF2-40B4-BE49-F238E27FC236}">
-                <a16:creationId xmlns:a16="http://schemas.microsoft.com/office/drawing/2014/main" xmlns="" id="{759131B0-E0AE-4ABC-BF47-8C413A6F7E1B}"/>
+                <a16:creationId xmlns:a16="http://schemas.microsoft.com/office/drawing/2014/main" id="{759131B0-E0AE-4ABC-BF47-8C413A6F7E1B}"/>
               </a:ext>
             </a:extLst>
           </p:cNvPr>
@@ -12099,7 +12013,7 @@
           <p:cNvPr id="5" name="Title 4">
             <a:extLst>
               <a:ext uri="{FF2B5EF4-FFF2-40B4-BE49-F238E27FC236}">
-                <a16:creationId xmlns:a16="http://schemas.microsoft.com/office/drawing/2014/main" xmlns="" id="{0A1DF7ED-5330-4FFC-9223-2650D38E6384}"/>
+                <a16:creationId xmlns:a16="http://schemas.microsoft.com/office/drawing/2014/main" id="{0A1DF7ED-5330-4FFC-9223-2650D38E6384}"/>
               </a:ext>
             </a:extLst>
           </p:cNvPr>
@@ -12127,7 +12041,7 @@
           <p:cNvPr id="6" name="Text Placeholder 5">
             <a:extLst>
               <a:ext uri="{FF2B5EF4-FFF2-40B4-BE49-F238E27FC236}">
-                <a16:creationId xmlns:a16="http://schemas.microsoft.com/office/drawing/2014/main" xmlns="" id="{31FAAC19-B5B0-4500-90F7-DBC85F2B3B52}"/>
+                <a16:creationId xmlns:a16="http://schemas.microsoft.com/office/drawing/2014/main" id="{31FAAC19-B5B0-4500-90F7-DBC85F2B3B52}"/>
               </a:ext>
             </a:extLst>
           </p:cNvPr>
@@ -12155,7 +12069,7 @@
           <p:cNvPr id="7" name="Text Placeholder 6">
             <a:extLst>
               <a:ext uri="{FF2B5EF4-FFF2-40B4-BE49-F238E27FC236}">
-                <a16:creationId xmlns:a16="http://schemas.microsoft.com/office/drawing/2014/main" xmlns="" id="{2CAAFFD0-886E-47F3-81F6-DF0D5E305FBF}"/>
+                <a16:creationId xmlns:a16="http://schemas.microsoft.com/office/drawing/2014/main" id="{2CAAFFD0-886E-47F3-81F6-DF0D5E305FBF}"/>
               </a:ext>
             </a:extLst>
           </p:cNvPr>
@@ -12345,7 +12259,7 @@
           <p:cNvPr id="5" name="Title 4">
             <a:extLst>
               <a:ext uri="{FF2B5EF4-FFF2-40B4-BE49-F238E27FC236}">
-                <a16:creationId xmlns:a16="http://schemas.microsoft.com/office/drawing/2014/main" xmlns="" id="{0A1DF7ED-5330-4FFC-9223-2650D38E6384}"/>
+                <a16:creationId xmlns:a16="http://schemas.microsoft.com/office/drawing/2014/main" id="{0A1DF7ED-5330-4FFC-9223-2650D38E6384}"/>
               </a:ext>
             </a:extLst>
           </p:cNvPr>
@@ -12378,7 +12292,7 @@
           <p:cNvPr id="6" name="Text Placeholder 5">
             <a:extLst>
               <a:ext uri="{FF2B5EF4-FFF2-40B4-BE49-F238E27FC236}">
-                <a16:creationId xmlns:a16="http://schemas.microsoft.com/office/drawing/2014/main" xmlns="" id="{31FAAC19-B5B0-4500-90F7-DBC85F2B3B52}"/>
+                <a16:creationId xmlns:a16="http://schemas.microsoft.com/office/drawing/2014/main" id="{31FAAC19-B5B0-4500-90F7-DBC85F2B3B52}"/>
               </a:ext>
             </a:extLst>
           </p:cNvPr>
@@ -12406,7 +12320,7 @@
           <p:cNvPr id="7" name="Text Placeholder 6">
             <a:extLst>
               <a:ext uri="{FF2B5EF4-FFF2-40B4-BE49-F238E27FC236}">
-                <a16:creationId xmlns:a16="http://schemas.microsoft.com/office/drawing/2014/main" xmlns="" id="{2CAAFFD0-886E-47F3-81F6-DF0D5E305FBF}"/>
+                <a16:creationId xmlns:a16="http://schemas.microsoft.com/office/drawing/2014/main" id="{2CAAFFD0-886E-47F3-81F6-DF0D5E305FBF}"/>
               </a:ext>
             </a:extLst>
           </p:cNvPr>
@@ -12494,7 +12408,7 @@
           <p:cNvPr id="2" name="Picture 1">
             <a:extLst>
               <a:ext uri="{FF2B5EF4-FFF2-40B4-BE49-F238E27FC236}">
-                <a16:creationId xmlns:a16="http://schemas.microsoft.com/office/drawing/2014/main" xmlns="" id="{1819B7A2-A2FD-49E2-A1F7-7F6A1104935D}"/>
+                <a16:creationId xmlns:a16="http://schemas.microsoft.com/office/drawing/2014/main" id="{1819B7A2-A2FD-49E2-A1F7-7F6A1104935D}"/>
               </a:ext>
             </a:extLst>
           </p:cNvPr>
@@ -12529,13 +12443,6 @@
   <p:clrMapOvr>
     <a:masterClrMapping/>
   </p:clrMapOvr>
-  <p:timing>
-    <p:tnLst>
-      <p:par>
-        <p:cTn id="1" dur="indefinite" restart="never" nodeType="tmRoot"/>
-      </p:par>
-    </p:tnLst>
-  </p:timing>
 </p:sld>
 </file>
 
@@ -12561,7 +12468,7 @@
           <p:cNvPr id="5" name="Title 4">
             <a:extLst>
               <a:ext uri="{FF2B5EF4-FFF2-40B4-BE49-F238E27FC236}">
-                <a16:creationId xmlns:a16="http://schemas.microsoft.com/office/drawing/2014/main" xmlns="" id="{99621808-DFEF-4AB8-8CE1-C8A2134373A4}"/>
+                <a16:creationId xmlns:a16="http://schemas.microsoft.com/office/drawing/2014/main" id="{99621808-DFEF-4AB8-8CE1-C8A2134373A4}"/>
               </a:ext>
             </a:extLst>
           </p:cNvPr>
@@ -12594,7 +12501,7 @@
           <p:cNvPr id="7" name="Text Placeholder 6">
             <a:extLst>
               <a:ext uri="{FF2B5EF4-FFF2-40B4-BE49-F238E27FC236}">
-                <a16:creationId xmlns:a16="http://schemas.microsoft.com/office/drawing/2014/main" xmlns="" id="{62E26FB6-D159-4EE5-911B-8C57B0DAE7D7}"/>
+                <a16:creationId xmlns:a16="http://schemas.microsoft.com/office/drawing/2014/main" id="{62E26FB6-D159-4EE5-911B-8C57B0DAE7D7}"/>
               </a:ext>
             </a:extLst>
           </p:cNvPr>
@@ -12780,13 +12687,6 @@
   <p:clrMapOvr>
     <a:masterClrMapping/>
   </p:clrMapOvr>
-  <p:timing>
-    <p:tnLst>
-      <p:par>
-        <p:cTn id="1" dur="indefinite" restart="never" nodeType="tmRoot"/>
-      </p:par>
-    </p:tnLst>
-  </p:timing>
 </p:sld>
 </file>
 
@@ -12812,7 +12712,7 @@
           <p:cNvPr id="5" name="Title 4">
             <a:extLst>
               <a:ext uri="{FF2B5EF4-FFF2-40B4-BE49-F238E27FC236}">
-                <a16:creationId xmlns:a16="http://schemas.microsoft.com/office/drawing/2014/main" xmlns="" id="{99621808-DFEF-4AB8-8CE1-C8A2134373A4}"/>
+                <a16:creationId xmlns:a16="http://schemas.microsoft.com/office/drawing/2014/main" id="{99621808-DFEF-4AB8-8CE1-C8A2134373A4}"/>
               </a:ext>
             </a:extLst>
           </p:cNvPr>
@@ -12834,10 +12734,9 @@
           <a:lstStyle/>
           <a:p>
             <a:r>
-              <a:rPr lang="fr-CA" dirty="0" smtClean="0"/>
+              <a:rPr lang="fr-CA" dirty="0"/>
               <a:t>Lab</a:t>
             </a:r>
-            <a:endParaRPr lang="fr-CA" dirty="0"/>
           </a:p>
         </p:txBody>
       </p:sp>
@@ -12884,7 +12783,7 @@
           <p:cNvPr id="7" name="Text Placeholder 6">
             <a:extLst>
               <a:ext uri="{FF2B5EF4-FFF2-40B4-BE49-F238E27FC236}">
-                <a16:creationId xmlns:a16="http://schemas.microsoft.com/office/drawing/2014/main" xmlns="" id="{62E26FB6-D159-4EE5-911B-8C57B0DAE7D7}"/>
+                <a16:creationId xmlns:a16="http://schemas.microsoft.com/office/drawing/2014/main" id="{62E26FB6-D159-4EE5-911B-8C57B0DAE7D7}"/>
               </a:ext>
             </a:extLst>
           </p:cNvPr>
@@ -12909,7 +12808,7 @@
               <a:buNone/>
             </a:pPr>
             <a:r>
-              <a:rPr lang="fr-CA" sz="6600" dirty="0" smtClean="0">
+              <a:rPr lang="fr-CA" sz="6600" dirty="0">
                 <a:solidFill>
                   <a:schemeClr val="bg1"/>
                 </a:solidFill>
@@ -12922,7 +12821,7 @@
               <a:buNone/>
             </a:pPr>
             <a:r>
-              <a:rPr lang="fr-CA" sz="6600" dirty="0" smtClean="0">
+              <a:rPr lang="fr-CA" sz="6600" dirty="0">
                 <a:solidFill>
                   <a:schemeClr val="bg1"/>
                 </a:solidFill>
@@ -12951,13 +12850,6 @@
   <p:clrMapOvr>
     <a:masterClrMapping/>
   </p:clrMapOvr>
-  <p:timing>
-    <p:tnLst>
-      <p:par>
-        <p:cTn id="1" dur="indefinite" restart="never" nodeType="tmRoot"/>
-      </p:par>
-    </p:tnLst>
-  </p:timing>
 </p:sld>
 </file>
 
@@ -12996,7 +12888,7 @@
         </p:spPr>
         <p:txBody>
           <a:bodyPr>
-            <a:normAutofit/>
+            <a:normAutofit fontScale="90000"/>
           </a:bodyPr>
           <a:lstStyle/>
           <a:p>
@@ -13089,13 +12981,6 @@
   <p:clrMapOvr>
     <a:masterClrMapping/>
   </p:clrMapOvr>
-  <p:timing>
-    <p:tnLst>
-      <p:par>
-        <p:cTn id="1" dur="indefinite" restart="never" nodeType="tmRoot"/>
-      </p:par>
-    </p:tnLst>
-  </p:timing>
 </p:sld>
 </file>
 
@@ -18458,19 +18343,7 @@
               <a:rPr lang="fr-CA" sz="1800" b="1" dirty="0">
                 <a:latin typeface="Gotham" panose="02000604030000020004" pitchFamily="50" charset="0"/>
               </a:rPr>
-              <a:t>10 clients </a:t>
-            </a:r>
-            <a:r>
-              <a:rPr lang="fr-CA" sz="1800" b="1" dirty="0" err="1">
-                <a:latin typeface="Gotham" panose="02000604030000020004" pitchFamily="50" charset="0"/>
-              </a:rPr>
-              <a:t>Big</a:t>
-            </a:r>
-            <a:r>
-              <a:rPr lang="fr-CA" sz="1800" b="1" dirty="0">
-                <a:latin typeface="Gotham" panose="02000604030000020004" pitchFamily="50" charset="0"/>
-              </a:rPr>
-              <a:t> Data </a:t>
+              <a:t>10 clients Big Data </a:t>
             </a:r>
             <a:r>
               <a:rPr lang="fr-CA" sz="1800" dirty="0">
@@ -19106,10 +18979,6 @@
               <a:rPr lang="en-US" dirty="0" err="1"/>
               <a:t>Développement</a:t>
             </a:r>
-            <a:r>
-              <a:rPr lang="en-US" dirty="0"/>
-              <a:t/>
-            </a:r>
             <a:br>
               <a:rPr lang="en-US" dirty="0"/>
             </a:br>
@@ -19271,10 +19140,6 @@
               <a:rPr lang="fr-CA" dirty="0"/>
               <a:t>Écosystème</a:t>
             </a:r>
-            <a:r>
-              <a:rPr lang="en-US" dirty="0"/>
-              <a:t/>
-            </a:r>
             <a:br>
               <a:rPr lang="en-US" dirty="0"/>
             </a:br>
@@ -19324,39 +19189,6 @@
           <a:p>
             <a:pPr lvl="2"/>
             <a:endParaRPr lang="fr-CA" dirty="0"/>
-          </a:p>
-          <a:p>
-            <a:pPr lvl="1"/>
-            <a:r>
-              <a:rPr lang="en-US" dirty="0"/>
-              <a:t>Notebooks</a:t>
-            </a:r>
-            <a:br>
-              <a:rPr lang="en-US" dirty="0"/>
-            </a:br>
-            <a:endParaRPr lang="fr-CA" dirty="0"/>
-          </a:p>
-          <a:p>
-            <a:pPr lvl="2"/>
-            <a:r>
-              <a:rPr lang="fr-CA" dirty="0"/>
-              <a:t>Spark Shell</a:t>
-            </a:r>
-          </a:p>
-          <a:p>
-            <a:pPr lvl="2"/>
-            <a:r>
-              <a:rPr lang="fr-CA" dirty="0" smtClean="0"/>
-              <a:t>Apache Zeppelin</a:t>
-            </a:r>
-          </a:p>
-          <a:p>
-            <a:pPr lvl="2"/>
-            <a:r>
-              <a:rPr lang="fr-CA" dirty="0" err="1" smtClean="0"/>
-              <a:t>Jupyter</a:t>
-            </a:r>
-            <a:endParaRPr lang="fr-CA" dirty="0" smtClean="0"/>
           </a:p>
           <a:p>
             <a:pPr lvl="2"/>
